--- a/resources/health/y11/notes/Health Studies Term 4 (teacher version).pptx
+++ b/resources/health/y11/notes/Health Studies Term 4 (teacher version).pptx
@@ -52,30 +52,35 @@
     <p:sldId id="296" r:id="rId46"/>
     <p:sldId id="328" r:id="rId47"/>
     <p:sldId id="297" r:id="rId48"/>
-    <p:sldId id="298" r:id="rId49"/>
-    <p:sldId id="299" r:id="rId50"/>
-    <p:sldId id="300" r:id="rId51"/>
-    <p:sldId id="301" r:id="rId52"/>
-    <p:sldId id="302" r:id="rId53"/>
-    <p:sldId id="326" r:id="rId54"/>
-    <p:sldId id="303" r:id="rId55"/>
-    <p:sldId id="304" r:id="rId56"/>
-    <p:sldId id="321" r:id="rId57"/>
-    <p:sldId id="305" r:id="rId58"/>
-    <p:sldId id="306" r:id="rId59"/>
-    <p:sldId id="311" r:id="rId60"/>
-    <p:sldId id="322" r:id="rId61"/>
-    <p:sldId id="312" r:id="rId62"/>
-    <p:sldId id="323" r:id="rId63"/>
-    <p:sldId id="313" r:id="rId64"/>
-    <p:sldId id="324" r:id="rId65"/>
-    <p:sldId id="314" r:id="rId66"/>
-    <p:sldId id="325" r:id="rId67"/>
-    <p:sldId id="315" r:id="rId68"/>
-    <p:sldId id="332" r:id="rId69"/>
-    <p:sldId id="316" r:id="rId70"/>
-    <p:sldId id="317" r:id="rId71"/>
-    <p:sldId id="318" r:id="rId72"/>
+    <p:sldId id="333" r:id="rId49"/>
+    <p:sldId id="334" r:id="rId50"/>
+    <p:sldId id="335" r:id="rId51"/>
+    <p:sldId id="336" r:id="rId52"/>
+    <p:sldId id="337" r:id="rId53"/>
+    <p:sldId id="298" r:id="rId54"/>
+    <p:sldId id="299" r:id="rId55"/>
+    <p:sldId id="300" r:id="rId56"/>
+    <p:sldId id="301" r:id="rId57"/>
+    <p:sldId id="302" r:id="rId58"/>
+    <p:sldId id="326" r:id="rId59"/>
+    <p:sldId id="303" r:id="rId60"/>
+    <p:sldId id="304" r:id="rId61"/>
+    <p:sldId id="321" r:id="rId62"/>
+    <p:sldId id="305" r:id="rId63"/>
+    <p:sldId id="306" r:id="rId64"/>
+    <p:sldId id="311" r:id="rId65"/>
+    <p:sldId id="322" r:id="rId66"/>
+    <p:sldId id="312" r:id="rId67"/>
+    <p:sldId id="323" r:id="rId68"/>
+    <p:sldId id="313" r:id="rId69"/>
+    <p:sldId id="324" r:id="rId70"/>
+    <p:sldId id="314" r:id="rId71"/>
+    <p:sldId id="325" r:id="rId72"/>
+    <p:sldId id="315" r:id="rId73"/>
+    <p:sldId id="332" r:id="rId74"/>
+    <p:sldId id="316" r:id="rId75"/>
+    <p:sldId id="317" r:id="rId76"/>
+    <p:sldId id="318" r:id="rId77"/>
   </p:sldIdLst>
   <p:sldSz cx="9144000" cy="6858000" type="screen4x3"/>
   <p:notesSz cx="6858000" cy="9144000"/>
@@ -988,7 +993,7 @@
           <a:p>
             <a:fld id="{0BCB4BE0-B9CB-4C34-B682-1ACC060BC137}" type="datetimeFigureOut">
               <a:rPr lang="en-AU" smtClean="0"/>
-              <a:t>24/09/2020</a:t>
+              <a:t>12/10/2020</a:t>
             </a:fld>
             <a:endParaRPr lang="en-AU"/>
           </a:p>
@@ -1239,7 +1244,7 @@
           <a:p>
             <a:fld id="{0BCB4BE0-B9CB-4C34-B682-1ACC060BC137}" type="datetimeFigureOut">
               <a:rPr lang="en-AU" smtClean="0"/>
-              <a:t>24/09/2020</a:t>
+              <a:t>12/10/2020</a:t>
             </a:fld>
             <a:endParaRPr lang="en-AU"/>
           </a:p>
@@ -1553,7 +1558,7 @@
           <a:p>
             <a:fld id="{0BCB4BE0-B9CB-4C34-B682-1ACC060BC137}" type="datetimeFigureOut">
               <a:rPr lang="en-AU" smtClean="0"/>
-              <a:t>24/09/2020</a:t>
+              <a:t>12/10/2020</a:t>
             </a:fld>
             <a:endParaRPr lang="en-AU"/>
           </a:p>
@@ -1886,7 +1891,7 @@
           <a:p>
             <a:fld id="{0BCB4BE0-B9CB-4C34-B682-1ACC060BC137}" type="datetimeFigureOut">
               <a:rPr lang="en-AU" smtClean="0"/>
-              <a:t>24/09/2020</a:t>
+              <a:t>12/10/2020</a:t>
             </a:fld>
             <a:endParaRPr lang="en-AU"/>
           </a:p>
@@ -2200,7 +2205,7 @@
           <a:p>
             <a:fld id="{0BCB4BE0-B9CB-4C34-B682-1ACC060BC137}" type="datetimeFigureOut">
               <a:rPr lang="en-AU" smtClean="0"/>
-              <a:t>24/09/2020</a:t>
+              <a:t>12/10/2020</a:t>
             </a:fld>
             <a:endParaRPr lang="en-AU"/>
           </a:p>
@@ -2593,7 +2598,7 @@
           <a:p>
             <a:fld id="{0BCB4BE0-B9CB-4C34-B682-1ACC060BC137}" type="datetimeFigureOut">
               <a:rPr lang="en-AU" smtClean="0"/>
-              <a:t>24/09/2020</a:t>
+              <a:t>12/10/2020</a:t>
             </a:fld>
             <a:endParaRPr lang="en-AU"/>
           </a:p>
@@ -2763,7 +2768,7 @@
           <a:p>
             <a:fld id="{0BCB4BE0-B9CB-4C34-B682-1ACC060BC137}" type="datetimeFigureOut">
               <a:rPr lang="en-AU" smtClean="0"/>
-              <a:t>24/09/2020</a:t>
+              <a:t>12/10/2020</a:t>
             </a:fld>
             <a:endParaRPr lang="en-AU"/>
           </a:p>
@@ -2943,7 +2948,7 @@
           <a:p>
             <a:fld id="{0BCB4BE0-B9CB-4C34-B682-1ACC060BC137}" type="datetimeFigureOut">
               <a:rPr lang="en-AU" smtClean="0"/>
-              <a:t>24/09/2020</a:t>
+              <a:t>12/10/2020</a:t>
             </a:fld>
             <a:endParaRPr lang="en-AU"/>
           </a:p>
@@ -3119,7 +3124,7 @@
           <a:p>
             <a:fld id="{0BCB4BE0-B9CB-4C34-B682-1ACC060BC137}" type="datetimeFigureOut">
               <a:rPr lang="en-AU" smtClean="0"/>
-              <a:t>24/09/2020</a:t>
+              <a:t>12/10/2020</a:t>
             </a:fld>
             <a:endParaRPr lang="en-AU"/>
           </a:p>
@@ -3366,7 +3371,7 @@
           <a:p>
             <a:fld id="{0BCB4BE0-B9CB-4C34-B682-1ACC060BC137}" type="datetimeFigureOut">
               <a:rPr lang="en-AU" smtClean="0"/>
-              <a:t>24/09/2020</a:t>
+              <a:t>12/10/2020</a:t>
             </a:fld>
             <a:endParaRPr lang="en-AU"/>
           </a:p>
@@ -3663,7 +3668,7 @@
           <a:p>
             <a:fld id="{0BCB4BE0-B9CB-4C34-B682-1ACC060BC137}" type="datetimeFigureOut">
               <a:rPr lang="en-AU" smtClean="0"/>
-              <a:t>24/09/2020</a:t>
+              <a:t>12/10/2020</a:t>
             </a:fld>
             <a:endParaRPr lang="en-AU"/>
           </a:p>
@@ -4042,7 +4047,7 @@
           <a:p>
             <a:fld id="{0BCB4BE0-B9CB-4C34-B682-1ACC060BC137}" type="datetimeFigureOut">
               <a:rPr lang="en-AU" smtClean="0"/>
-              <a:t>24/09/2020</a:t>
+              <a:t>12/10/2020</a:t>
             </a:fld>
             <a:endParaRPr lang="en-AU"/>
           </a:p>
@@ -4165,7 +4170,7 @@
           <a:p>
             <a:fld id="{0BCB4BE0-B9CB-4C34-B682-1ACC060BC137}" type="datetimeFigureOut">
               <a:rPr lang="en-AU" smtClean="0"/>
-              <a:t>24/09/2020</a:t>
+              <a:t>12/10/2020</a:t>
             </a:fld>
             <a:endParaRPr lang="en-AU"/>
           </a:p>
@@ -4260,7 +4265,7 @@
           <a:p>
             <a:fld id="{0BCB4BE0-B9CB-4C34-B682-1ACC060BC137}" type="datetimeFigureOut">
               <a:rPr lang="en-AU" smtClean="0"/>
-              <a:t>24/09/2020</a:t>
+              <a:t>12/10/2020</a:t>
             </a:fld>
             <a:endParaRPr lang="en-AU"/>
           </a:p>
@@ -4515,7 +4520,7 @@
           <a:p>
             <a:fld id="{0BCB4BE0-B9CB-4C34-B682-1ACC060BC137}" type="datetimeFigureOut">
               <a:rPr lang="en-AU" smtClean="0"/>
-              <a:t>24/09/2020</a:t>
+              <a:t>12/10/2020</a:t>
             </a:fld>
             <a:endParaRPr lang="en-AU"/>
           </a:p>
@@ -4778,7 +4783,7 @@
           <a:p>
             <a:fld id="{0BCB4BE0-B9CB-4C34-B682-1ACC060BC137}" type="datetimeFigureOut">
               <a:rPr lang="en-AU" smtClean="0"/>
-              <a:t>24/09/2020</a:t>
+              <a:t>12/10/2020</a:t>
             </a:fld>
             <a:endParaRPr lang="en-AU"/>
           </a:p>
@@ -5593,7 +5598,7 @@
           <a:p>
             <a:fld id="{0BCB4BE0-B9CB-4C34-B682-1ACC060BC137}" type="datetimeFigureOut">
               <a:rPr lang="en-AU" smtClean="0"/>
-              <a:t>24/09/2020</a:t>
+              <a:t>12/10/2020</a:t>
             </a:fld>
             <a:endParaRPr lang="en-AU"/>
           </a:p>
@@ -11182,6 +11187,14 @@
               <a:rPr lang="en-US" dirty="0"/>
               <a:t>Explained – Designer DNA</a:t>
             </a:r>
+          </a:p>
+          <a:p>
+            <a:r>
+              <a:rPr lang="en-US" dirty="0"/>
+              <a:t>David Attenborough – My witness statement </a:t>
+            </a:r>
+          </a:p>
+          <a:p>
             <a:endParaRPr lang="en-AU" dirty="0"/>
           </a:p>
         </p:txBody>
@@ -17090,6 +17103,2442 @@
 <file path=ppt/slides/slide48.xml><?xml version="1.0" encoding="utf-8"?>
 <p:sld xmlns:a="http://schemas.openxmlformats.org/drawingml/2006/main" xmlns:r="http://schemas.openxmlformats.org/officeDocument/2006/relationships" xmlns:p="http://schemas.openxmlformats.org/presentationml/2006/main">
   <p:cSld>
+    <p:bg>
+      <p:bgPr>
+        <a:solidFill>
+          <a:schemeClr val="bg1"/>
+        </a:solidFill>
+        <a:effectLst/>
+      </p:bgPr>
+    </p:bg>
+    <p:spTree>
+      <p:nvGrpSpPr>
+        <p:cNvPr id="1" name=""/>
+        <p:cNvGrpSpPr/>
+        <p:nvPr/>
+      </p:nvGrpSpPr>
+      <p:grpSpPr>
+        <a:xfrm>
+          <a:off x="0" y="0"/>
+          <a:ext cx="0" cy="0"/>
+          <a:chOff x="0" y="0"/>
+          <a:chExt cx="0" cy="0"/>
+        </a:xfrm>
+      </p:grpSpPr>
+      <p:sp>
+        <p:nvSpPr>
+          <p:cNvPr id="2" name="Title 1">
+            <a:extLst>
+              <a:ext uri="{FF2B5EF4-FFF2-40B4-BE49-F238E27FC236}">
+                <a16:creationId xmlns:a16="http://schemas.microsoft.com/office/drawing/2014/main" id="{135458A2-3391-4125-BEF0-7FB9F035E0D1}"/>
+              </a:ext>
+            </a:extLst>
+          </p:cNvPr>
+          <p:cNvSpPr>
+            <a:spLocks noGrp="1"/>
+          </p:cNvSpPr>
+          <p:nvPr>
+            <p:ph type="title"/>
+          </p:nvPr>
+        </p:nvSpPr>
+        <p:spPr>
+          <a:xfrm>
+            <a:off x="508000" y="609600"/>
+            <a:ext cx="6447501" cy="1320800"/>
+          </a:xfrm>
+        </p:spPr>
+        <p:txBody>
+          <a:bodyPr anchor="t">
+            <a:normAutofit/>
+          </a:bodyPr>
+          <a:lstStyle/>
+          <a:p>
+            <a:r>
+              <a:rPr lang="en-AU" dirty="0"/>
+              <a:t>Self-awareness</a:t>
+            </a:r>
+            <a:br>
+              <a:rPr lang="en-AU" dirty="0"/>
+            </a:br>
+            <a:endParaRPr lang="en-AU" dirty="0"/>
+          </a:p>
+        </p:txBody>
+      </p:sp>
+      <p:sp>
+        <p:nvSpPr>
+          <p:cNvPr id="3" name="Content Placeholder 2">
+            <a:extLst>
+              <a:ext uri="{FF2B5EF4-FFF2-40B4-BE49-F238E27FC236}">
+                <a16:creationId xmlns:a16="http://schemas.microsoft.com/office/drawing/2014/main" id="{09E2C526-A9C4-4AD5-AF3D-C87B94251189}"/>
+              </a:ext>
+            </a:extLst>
+          </p:cNvPr>
+          <p:cNvSpPr>
+            <a:spLocks noGrp="1"/>
+          </p:cNvSpPr>
+          <p:nvPr>
+            <p:ph idx="1"/>
+          </p:nvPr>
+        </p:nvSpPr>
+        <p:spPr>
+          <a:xfrm>
+            <a:off x="508000" y="2160590"/>
+            <a:ext cx="3915323" cy="3701270"/>
+          </a:xfrm>
+        </p:spPr>
+        <p:txBody>
+          <a:bodyPr>
+            <a:normAutofit/>
+          </a:bodyPr>
+          <a:lstStyle/>
+          <a:p>
+            <a:pPr>
+              <a:lnSpc>
+                <a:spcPct val="90000"/>
+              </a:lnSpc>
+            </a:pPr>
+            <a:r>
+              <a:rPr lang="en-US" b="1" i="0" dirty="0">
+                <a:effectLst/>
+                <a:latin typeface="lora"/>
+              </a:rPr>
+              <a:t>Self-awareness is the ability to see yourself clearly and objectively through reflection and introspection.</a:t>
+            </a:r>
+          </a:p>
+          <a:p>
+            <a:pPr>
+              <a:lnSpc>
+                <a:spcPct val="90000"/>
+              </a:lnSpc>
+            </a:pPr>
+            <a:endParaRPr lang="en-US" dirty="0">
+              <a:latin typeface="lora"/>
+            </a:endParaRPr>
+          </a:p>
+          <a:p>
+            <a:pPr>
+              <a:lnSpc>
+                <a:spcPct val="90000"/>
+              </a:lnSpc>
+            </a:pPr>
+            <a:r>
+              <a:rPr lang="en-US" dirty="0">
+                <a:latin typeface="lora"/>
+              </a:rPr>
+              <a:t>Further reading - </a:t>
+            </a:r>
+            <a:r>
+              <a:rPr lang="en-US" dirty="0">
+                <a:latin typeface="lora"/>
+                <a:hlinkClick r:id="rId2"/>
+              </a:rPr>
+              <a:t>Positive psychology</a:t>
+            </a:r>
+            <a:endParaRPr lang="en-US" dirty="0">
+              <a:latin typeface="lora"/>
+            </a:endParaRPr>
+          </a:p>
+          <a:p>
+            <a:pPr>
+              <a:lnSpc>
+                <a:spcPct val="90000"/>
+              </a:lnSpc>
+            </a:pPr>
+            <a:endParaRPr lang="en-US" dirty="0">
+              <a:latin typeface="lora"/>
+            </a:endParaRPr>
+          </a:p>
+          <a:p>
+            <a:pPr>
+              <a:lnSpc>
+                <a:spcPct val="90000"/>
+              </a:lnSpc>
+            </a:pPr>
+            <a:r>
+              <a:rPr lang="en-US" dirty="0">
+                <a:latin typeface="lora"/>
+              </a:rPr>
+              <a:t>Know the definition and use it to explain health benefits of good self-awareness or poor self- awareness. </a:t>
+            </a:r>
+          </a:p>
+          <a:p>
+            <a:pPr>
+              <a:lnSpc>
+                <a:spcPct val="90000"/>
+              </a:lnSpc>
+            </a:pPr>
+            <a:r>
+              <a:rPr lang="en-US" dirty="0">
+                <a:latin typeface="lora"/>
+              </a:rPr>
+              <a:t>Create 2 examples </a:t>
+            </a:r>
+            <a:endParaRPr lang="en-AU" dirty="0"/>
+          </a:p>
+        </p:txBody>
+      </p:sp>
+      <p:pic>
+        <p:nvPicPr>
+          <p:cNvPr id="5" name="Picture 4" descr="A drawing of a cartoon character&#10;&#10;Description automatically generated">
+            <a:extLst>
+              <a:ext uri="{FF2B5EF4-FFF2-40B4-BE49-F238E27FC236}">
+                <a16:creationId xmlns:a16="http://schemas.microsoft.com/office/drawing/2014/main" id="{40A862D9-A117-4AE2-BCFD-4AB409EFE171}"/>
+              </a:ext>
+            </a:extLst>
+          </p:cNvPr>
+          <p:cNvPicPr>
+            <a:picLocks noChangeAspect="1"/>
+          </p:cNvPicPr>
+          <p:nvPr/>
+        </p:nvPicPr>
+        <p:blipFill>
+          <a:blip r:embed="rId3">
+            <a:extLst>
+              <a:ext uri="{28A0092B-C50C-407E-A947-70E740481C1C}">
+                <a14:useLocalDpi xmlns:a14="http://schemas.microsoft.com/office/drawing/2010/main" val="0"/>
+              </a:ext>
+              <a:ext uri="{837473B0-CC2E-450A-ABE3-18F120FF3D39}">
+                <a1611:picAttrSrcUrl xmlns:a1611="http://schemas.microsoft.com/office/drawing/2016/11/main" r:id="rId4"/>
+              </a:ext>
+            </a:extLst>
+          </a:blip>
+          <a:stretch>
+            <a:fillRect/>
+          </a:stretch>
+        </p:blipFill>
+        <p:spPr>
+          <a:xfrm>
+            <a:off x="4565562" y="2159000"/>
+            <a:ext cx="2359152" cy="3145536"/>
+          </a:xfrm>
+          <a:prstGeom prst="rect">
+            <a:avLst/>
+          </a:prstGeom>
+        </p:spPr>
+      </p:pic>
+      <p:sp>
+        <p:nvSpPr>
+          <p:cNvPr id="6" name="TextBox 5">
+            <a:extLst>
+              <a:ext uri="{FF2B5EF4-FFF2-40B4-BE49-F238E27FC236}">
+                <a16:creationId xmlns:a16="http://schemas.microsoft.com/office/drawing/2014/main" id="{01323E50-244E-41F7-AAC9-7996A781A99A}"/>
+              </a:ext>
+            </a:extLst>
+          </p:cNvPr>
+          <p:cNvSpPr txBox="1"/>
+          <p:nvPr/>
+        </p:nvSpPr>
+        <p:spPr>
+          <a:xfrm>
+            <a:off x="6473076" y="6657945"/>
+            <a:ext cx="2670924" cy="200055"/>
+          </a:xfrm>
+          <a:prstGeom prst="rect">
+            <a:avLst/>
+          </a:prstGeom>
+          <a:solidFill>
+            <a:srgbClr val="000000"/>
+          </a:solidFill>
+        </p:spPr>
+        <p:txBody>
+          <a:bodyPr wrap="none" rtlCol="0">
+            <a:spAutoFit/>
+          </a:bodyPr>
+          <a:lstStyle/>
+          <a:p>
+            <a:pPr algn="r">
+              <a:spcAft>
+                <a:spcPts val="600"/>
+              </a:spcAft>
+            </a:pPr>
+            <a:r>
+              <a:rPr lang="en-AU" sz="700">
+                <a:solidFill>
+                  <a:srgbClr val="FFFFFF"/>
+                </a:solidFill>
+                <a:hlinkClick r:id="rId4" tooltip="https://www.pictofigo.com/image-detail/12440/Self+awareness">
+                  <a:extLst>
+                    <a:ext uri="{A12FA001-AC4F-418D-AE19-62706E023703}">
+                      <ahyp:hlinkClr xmlns:ahyp="http://schemas.microsoft.com/office/drawing/2018/hyperlinkcolor" val="tx"/>
+                    </a:ext>
+                  </a:extLst>
+                </a:hlinkClick>
+              </a:rPr>
+              <a:t>This Photo</a:t>
+            </a:r>
+            <a:r>
+              <a:rPr lang="en-AU" sz="700">
+                <a:solidFill>
+                  <a:srgbClr val="FFFFFF"/>
+                </a:solidFill>
+              </a:rPr>
+              <a:t> by Unknown Author is licensed under </a:t>
+            </a:r>
+            <a:r>
+              <a:rPr lang="en-AU" sz="700">
+                <a:solidFill>
+                  <a:srgbClr val="FFFFFF"/>
+                </a:solidFill>
+                <a:hlinkClick r:id="rId5" tooltip="https://creativecommons.org/licenses/by-nc-sa/3.0/">
+                  <a:extLst>
+                    <a:ext uri="{A12FA001-AC4F-418D-AE19-62706E023703}">
+                      <ahyp:hlinkClr xmlns:ahyp="http://schemas.microsoft.com/office/drawing/2018/hyperlinkcolor" val="tx"/>
+                    </a:ext>
+                  </a:extLst>
+                </a:hlinkClick>
+              </a:rPr>
+              <a:t>CC BY-SA-NC</a:t>
+            </a:r>
+            <a:endParaRPr lang="en-AU" sz="700">
+              <a:solidFill>
+                <a:srgbClr val="FFFFFF"/>
+              </a:solidFill>
+            </a:endParaRPr>
+          </a:p>
+        </p:txBody>
+      </p:sp>
+    </p:spTree>
+    <p:extLst>
+      <p:ext uri="{BB962C8B-B14F-4D97-AF65-F5344CB8AC3E}">
+        <p14:creationId xmlns:p14="http://schemas.microsoft.com/office/powerpoint/2010/main" val="229566622"/>
+      </p:ext>
+    </p:extLst>
+  </p:cSld>
+  <p:clrMapOvr>
+    <a:masterClrMapping/>
+  </p:clrMapOvr>
+</p:sld>
+</file>
+
+<file path=ppt/slides/slide49.xml><?xml version="1.0" encoding="utf-8"?>
+<p:sld xmlns:a="http://schemas.openxmlformats.org/drawingml/2006/main" xmlns:r="http://schemas.openxmlformats.org/officeDocument/2006/relationships" xmlns:p="http://schemas.openxmlformats.org/presentationml/2006/main">
+  <p:cSld>
+    <p:bg>
+      <p:bgPr>
+        <a:solidFill>
+          <a:schemeClr val="bg1"/>
+        </a:solidFill>
+        <a:effectLst/>
+      </p:bgPr>
+    </p:bg>
+    <p:spTree>
+      <p:nvGrpSpPr>
+        <p:cNvPr id="1" name=""/>
+        <p:cNvGrpSpPr/>
+        <p:nvPr/>
+      </p:nvGrpSpPr>
+      <p:grpSpPr>
+        <a:xfrm>
+          <a:off x="0" y="0"/>
+          <a:ext cx="0" cy="0"/>
+          <a:chOff x="0" y="0"/>
+          <a:chExt cx="0" cy="0"/>
+        </a:xfrm>
+      </p:grpSpPr>
+      <p:sp>
+        <p:nvSpPr>
+          <p:cNvPr id="2" name="Title 1">
+            <a:extLst>
+              <a:ext uri="{FF2B5EF4-FFF2-40B4-BE49-F238E27FC236}">
+                <a16:creationId xmlns:a16="http://schemas.microsoft.com/office/drawing/2014/main" id="{135458A2-3391-4125-BEF0-7FB9F035E0D1}"/>
+              </a:ext>
+            </a:extLst>
+          </p:cNvPr>
+          <p:cNvSpPr>
+            <a:spLocks noGrp="1"/>
+          </p:cNvSpPr>
+          <p:nvPr>
+            <p:ph type="title"/>
+          </p:nvPr>
+        </p:nvSpPr>
+        <p:spPr>
+          <a:xfrm>
+            <a:off x="508000" y="609600"/>
+            <a:ext cx="6447501" cy="1320800"/>
+          </a:xfrm>
+        </p:spPr>
+        <p:txBody>
+          <a:bodyPr anchor="t">
+            <a:normAutofit/>
+          </a:bodyPr>
+          <a:lstStyle/>
+          <a:p>
+            <a:r>
+              <a:rPr lang="en-AU" dirty="0"/>
+              <a:t>Self-regulation</a:t>
+            </a:r>
+            <a:br>
+              <a:rPr lang="en-AU" dirty="0"/>
+            </a:br>
+            <a:endParaRPr lang="en-AU" dirty="0"/>
+          </a:p>
+        </p:txBody>
+      </p:sp>
+      <p:sp>
+        <p:nvSpPr>
+          <p:cNvPr id="3" name="Content Placeholder 2">
+            <a:extLst>
+              <a:ext uri="{FF2B5EF4-FFF2-40B4-BE49-F238E27FC236}">
+                <a16:creationId xmlns:a16="http://schemas.microsoft.com/office/drawing/2014/main" id="{09E2C526-A9C4-4AD5-AF3D-C87B94251189}"/>
+              </a:ext>
+            </a:extLst>
+          </p:cNvPr>
+          <p:cNvSpPr>
+            <a:spLocks noGrp="1"/>
+          </p:cNvSpPr>
+          <p:nvPr>
+            <p:ph idx="1"/>
+          </p:nvPr>
+        </p:nvSpPr>
+        <p:spPr>
+          <a:xfrm>
+            <a:off x="508000" y="2160590"/>
+            <a:ext cx="3915323" cy="3701270"/>
+          </a:xfrm>
+        </p:spPr>
+        <p:txBody>
+          <a:bodyPr>
+            <a:normAutofit/>
+          </a:bodyPr>
+          <a:lstStyle/>
+          <a:p>
+            <a:r>
+              <a:rPr lang="en-US" b="1" i="0" dirty="0">
+                <a:effectLst/>
+              </a:rPr>
+              <a:t>Self-regulation is the ability to understand and manage your behaviour and your reactions to feelings and things happening around you.</a:t>
+            </a:r>
+            <a:endParaRPr lang="en-US" b="1" dirty="0"/>
+          </a:p>
+          <a:p>
+            <a:r>
+              <a:rPr lang="en-US" dirty="0">
+                <a:latin typeface="lora"/>
+              </a:rPr>
+              <a:t>Further reading – </a:t>
+            </a:r>
+            <a:r>
+              <a:rPr lang="en-US" dirty="0">
+                <a:latin typeface="lora"/>
+                <a:hlinkClick r:id="rId2"/>
+              </a:rPr>
+              <a:t>Raising Children</a:t>
+            </a:r>
+            <a:endParaRPr lang="en-US" dirty="0">
+              <a:latin typeface="lora"/>
+            </a:endParaRPr>
+          </a:p>
+          <a:p>
+            <a:endParaRPr lang="en-US" dirty="0">
+              <a:latin typeface="lora"/>
+            </a:endParaRPr>
+          </a:p>
+          <a:p>
+            <a:r>
+              <a:rPr lang="en-US" dirty="0">
+                <a:latin typeface="lora"/>
+              </a:rPr>
+              <a:t>Know the definition and use it to explain health benefits of good self-regulation or poor self- regulation. </a:t>
+            </a:r>
+          </a:p>
+          <a:p>
+            <a:r>
+              <a:rPr lang="en-US" dirty="0">
+                <a:latin typeface="lora"/>
+              </a:rPr>
+              <a:t>Create 2 examples </a:t>
+            </a:r>
+            <a:endParaRPr lang="en-AU" dirty="0"/>
+          </a:p>
+        </p:txBody>
+      </p:sp>
+      <p:pic>
+        <p:nvPicPr>
+          <p:cNvPr id="7" name="Picture 6" descr="A picture containing shape&#10;&#10;Description automatically generated">
+            <a:extLst>
+              <a:ext uri="{FF2B5EF4-FFF2-40B4-BE49-F238E27FC236}">
+                <a16:creationId xmlns:a16="http://schemas.microsoft.com/office/drawing/2014/main" id="{A745E8CE-A452-4C7B-BE42-793EA698697B}"/>
+              </a:ext>
+            </a:extLst>
+          </p:cNvPr>
+          <p:cNvPicPr>
+            <a:picLocks noChangeAspect="1"/>
+          </p:cNvPicPr>
+          <p:nvPr/>
+        </p:nvPicPr>
+        <p:blipFill>
+          <a:blip r:embed="rId3">
+            <a:extLst>
+              <a:ext uri="{28A0092B-C50C-407E-A947-70E740481C1C}">
+                <a14:useLocalDpi xmlns:a14="http://schemas.microsoft.com/office/drawing/2010/main" val="0"/>
+              </a:ext>
+              <a:ext uri="{837473B0-CC2E-450A-ABE3-18F120FF3D39}">
+                <a1611:picAttrSrcUrl xmlns:a1611="http://schemas.microsoft.com/office/drawing/2016/11/main" r:id="rId4"/>
+              </a:ext>
+            </a:extLst>
+          </a:blip>
+          <a:stretch>
+            <a:fillRect/>
+          </a:stretch>
+        </p:blipFill>
+        <p:spPr>
+          <a:xfrm>
+            <a:off x="4860032" y="2924944"/>
+            <a:ext cx="4194046" cy="2002657"/>
+          </a:xfrm>
+          <a:prstGeom prst="rect">
+            <a:avLst/>
+          </a:prstGeom>
+        </p:spPr>
+      </p:pic>
+      <p:sp>
+        <p:nvSpPr>
+          <p:cNvPr id="8" name="TextBox 7">
+            <a:extLst>
+              <a:ext uri="{FF2B5EF4-FFF2-40B4-BE49-F238E27FC236}">
+                <a16:creationId xmlns:a16="http://schemas.microsoft.com/office/drawing/2014/main" id="{92572BD1-D121-4988-AE66-1BC42A24E30D}"/>
+              </a:ext>
+            </a:extLst>
+          </p:cNvPr>
+          <p:cNvSpPr txBox="1"/>
+          <p:nvPr/>
+        </p:nvSpPr>
+        <p:spPr>
+          <a:xfrm>
+            <a:off x="6751517" y="7423889"/>
+            <a:ext cx="4182684" cy="200055"/>
+          </a:xfrm>
+          <a:prstGeom prst="rect">
+            <a:avLst/>
+          </a:prstGeom>
+          <a:solidFill>
+            <a:srgbClr val="000000"/>
+          </a:solidFill>
+        </p:spPr>
+        <p:txBody>
+          <a:bodyPr wrap="square" rtlCol="0">
+            <a:spAutoFit/>
+          </a:bodyPr>
+          <a:lstStyle/>
+          <a:p>
+            <a:pPr algn="r">
+              <a:spcAft>
+                <a:spcPts val="600"/>
+              </a:spcAft>
+            </a:pPr>
+            <a:r>
+              <a:rPr lang="en-AU" sz="700">
+                <a:solidFill>
+                  <a:srgbClr val="FFFFFF"/>
+                </a:solidFill>
+                <a:hlinkClick r:id="rId4" tooltip="http://www.resilientmd.com/2014/07/self-regulation-key-cornerstone-of.html">
+                  <a:extLst>
+                    <a:ext uri="{A12FA001-AC4F-418D-AE19-62706E023703}">
+                      <ahyp:hlinkClr xmlns:ahyp="http://schemas.microsoft.com/office/drawing/2018/hyperlinkcolor" val="tx"/>
+                    </a:ext>
+                  </a:extLst>
+                </a:hlinkClick>
+              </a:rPr>
+              <a:t>This Photo</a:t>
+            </a:r>
+            <a:r>
+              <a:rPr lang="en-AU" sz="700">
+                <a:solidFill>
+                  <a:srgbClr val="FFFFFF"/>
+                </a:solidFill>
+              </a:rPr>
+              <a:t> by Unknown Author is licensed under </a:t>
+            </a:r>
+            <a:r>
+              <a:rPr lang="en-AU" sz="700">
+                <a:solidFill>
+                  <a:srgbClr val="FFFFFF"/>
+                </a:solidFill>
+                <a:hlinkClick r:id="rId5" tooltip="https://creativecommons.org/licenses/by-nc-nd/3.0/">
+                  <a:extLst>
+                    <a:ext uri="{A12FA001-AC4F-418D-AE19-62706E023703}">
+                      <ahyp:hlinkClr xmlns:ahyp="http://schemas.microsoft.com/office/drawing/2018/hyperlinkcolor" val="tx"/>
+                    </a:ext>
+                  </a:extLst>
+                </a:hlinkClick>
+              </a:rPr>
+              <a:t>CC BY-NC-ND</a:t>
+            </a:r>
+            <a:endParaRPr lang="en-AU" sz="700">
+              <a:solidFill>
+                <a:srgbClr val="FFFFFF"/>
+              </a:solidFill>
+            </a:endParaRPr>
+          </a:p>
+        </p:txBody>
+      </p:sp>
+    </p:spTree>
+    <p:extLst>
+      <p:ext uri="{BB962C8B-B14F-4D97-AF65-F5344CB8AC3E}">
+        <p14:creationId xmlns:p14="http://schemas.microsoft.com/office/powerpoint/2010/main" val="2771511891"/>
+      </p:ext>
+    </p:extLst>
+  </p:cSld>
+  <p:clrMapOvr>
+    <a:masterClrMapping/>
+  </p:clrMapOvr>
+</p:sld>
+</file>
+
+<file path=ppt/slides/slide5.xml><?xml version="1.0" encoding="utf-8"?>
+<p:sld xmlns:a="http://schemas.openxmlformats.org/drawingml/2006/main" xmlns:r="http://schemas.openxmlformats.org/officeDocument/2006/relationships" xmlns:p="http://schemas.openxmlformats.org/presentationml/2006/main">
+  <p:cSld>
+    <p:spTree>
+      <p:nvGrpSpPr>
+        <p:cNvPr id="1" name=""/>
+        <p:cNvGrpSpPr/>
+        <p:nvPr/>
+      </p:nvGrpSpPr>
+      <p:grpSpPr>
+        <a:xfrm>
+          <a:off x="0" y="0"/>
+          <a:ext cx="0" cy="0"/>
+          <a:chOff x="0" y="0"/>
+          <a:chExt cx="0" cy="0"/>
+        </a:xfrm>
+      </p:grpSpPr>
+      <p:sp>
+        <p:nvSpPr>
+          <p:cNvPr id="2" name="Title 1"/>
+          <p:cNvSpPr>
+            <a:spLocks noGrp="1"/>
+          </p:cNvSpPr>
+          <p:nvPr>
+            <p:ph type="title"/>
+          </p:nvPr>
+        </p:nvSpPr>
+        <p:spPr/>
+        <p:txBody>
+          <a:bodyPr/>
+          <a:lstStyle/>
+          <a:p>
+            <a:r>
+              <a:rPr lang="en-US" dirty="0"/>
+              <a:t>Reminder: What are “Ethics” ???</a:t>
+            </a:r>
+            <a:endParaRPr lang="en-AU" dirty="0"/>
+          </a:p>
+        </p:txBody>
+      </p:sp>
+      <p:sp>
+        <p:nvSpPr>
+          <p:cNvPr id="3" name="Content Placeholder 2"/>
+          <p:cNvSpPr>
+            <a:spLocks noGrp="1"/>
+          </p:cNvSpPr>
+          <p:nvPr>
+            <p:ph idx="1"/>
+          </p:nvPr>
+        </p:nvSpPr>
+        <p:spPr/>
+        <p:txBody>
+          <a:bodyPr/>
+          <a:lstStyle/>
+          <a:p>
+            <a:pPr marL="68580" indent="0">
+              <a:buNone/>
+            </a:pPr>
+            <a:endParaRPr lang="en-US" dirty="0"/>
+          </a:p>
+          <a:p>
+            <a:pPr marL="68580" indent="0">
+              <a:buNone/>
+            </a:pPr>
+            <a:r>
+              <a:rPr lang="en-US" dirty="0"/>
+              <a:t>ETHICS: Moral principles that govern a persons </a:t>
+            </a:r>
+            <a:r>
+              <a:rPr lang="en-US" dirty="0" err="1"/>
+              <a:t>behaviours</a:t>
+            </a:r>
+            <a:r>
+              <a:rPr lang="en-US" dirty="0"/>
+              <a:t> or the conducting of an activity. </a:t>
+            </a:r>
+            <a:endParaRPr lang="en-AU" dirty="0"/>
+          </a:p>
+        </p:txBody>
+      </p:sp>
+    </p:spTree>
+    <p:extLst>
+      <p:ext uri="{BB962C8B-B14F-4D97-AF65-F5344CB8AC3E}">
+        <p14:creationId xmlns:p14="http://schemas.microsoft.com/office/powerpoint/2010/main" val="3115741009"/>
+      </p:ext>
+    </p:extLst>
+  </p:cSld>
+  <p:clrMapOvr>
+    <a:masterClrMapping/>
+  </p:clrMapOvr>
+  <p:timing>
+    <p:tnLst>
+      <p:par>
+        <p:cTn id="1" dur="indefinite" restart="never" nodeType="tmRoot">
+          <p:childTnLst>
+            <p:seq concurrent="1" nextAc="seek">
+              <p:cTn id="2" dur="indefinite" nodeType="mainSeq">
+                <p:childTnLst>
+                  <p:par>
+                    <p:cTn id="3" fill="hold">
+                      <p:stCondLst>
+                        <p:cond delay="indefinite"/>
+                      </p:stCondLst>
+                      <p:childTnLst>
+                        <p:par>
+                          <p:cTn id="4" fill="hold">
+                            <p:stCondLst>
+                              <p:cond delay="0"/>
+                            </p:stCondLst>
+                            <p:childTnLst>
+                              <p:par>
+                                <p:cTn id="5" presetID="1" presetClass="entr" presetSubtype="0" fill="hold" nodeType="clickEffect">
+                                  <p:stCondLst>
+                                    <p:cond delay="0"/>
+                                  </p:stCondLst>
+                                  <p:childTnLst>
+                                    <p:set>
+                                      <p:cBhvr>
+                                        <p:cTn id="6" dur="1" fill="hold">
+                                          <p:stCondLst>
+                                            <p:cond delay="0"/>
+                                          </p:stCondLst>
+                                        </p:cTn>
+                                        <p:tgtEl>
+                                          <p:spTgt spid="3">
+                                            <p:txEl>
+                                              <p:pRg st="1" end="1"/>
+                                            </p:txEl>
+                                          </p:spTgt>
+                                        </p:tgtEl>
+                                        <p:attrNameLst>
+                                          <p:attrName>style.visibility</p:attrName>
+                                        </p:attrNameLst>
+                                      </p:cBhvr>
+                                      <p:to>
+                                        <p:strVal val="visible"/>
+                                      </p:to>
+                                    </p:set>
+                                  </p:childTnLst>
+                                </p:cTn>
+                              </p:par>
+                            </p:childTnLst>
+                          </p:cTn>
+                        </p:par>
+                      </p:childTnLst>
+                    </p:cTn>
+                  </p:par>
+                </p:childTnLst>
+              </p:cTn>
+              <p:prevCondLst>
+                <p:cond evt="onPrev" delay="0">
+                  <p:tgtEl>
+                    <p:sldTgt/>
+                  </p:tgtEl>
+                </p:cond>
+              </p:prevCondLst>
+              <p:nextCondLst>
+                <p:cond evt="onNext" delay="0">
+                  <p:tgtEl>
+                    <p:sldTgt/>
+                  </p:tgtEl>
+                </p:cond>
+              </p:nextCondLst>
+            </p:seq>
+          </p:childTnLst>
+        </p:cTn>
+      </p:par>
+    </p:tnLst>
+  </p:timing>
+</p:sld>
+</file>
+
+<file path=ppt/slides/slide50.xml><?xml version="1.0" encoding="utf-8"?>
+<p:sld xmlns:a="http://schemas.openxmlformats.org/drawingml/2006/main" xmlns:r="http://schemas.openxmlformats.org/officeDocument/2006/relationships" xmlns:p="http://schemas.openxmlformats.org/presentationml/2006/main">
+  <p:cSld>
+    <p:bg>
+      <p:bgPr>
+        <a:solidFill>
+          <a:schemeClr val="bg1"/>
+        </a:solidFill>
+        <a:effectLst/>
+      </p:bgPr>
+    </p:bg>
+    <p:spTree>
+      <p:nvGrpSpPr>
+        <p:cNvPr id="1" name=""/>
+        <p:cNvGrpSpPr/>
+        <p:nvPr/>
+      </p:nvGrpSpPr>
+      <p:grpSpPr>
+        <a:xfrm>
+          <a:off x="0" y="0"/>
+          <a:ext cx="0" cy="0"/>
+          <a:chOff x="0" y="0"/>
+          <a:chExt cx="0" cy="0"/>
+        </a:xfrm>
+      </p:grpSpPr>
+      <p:sp>
+        <p:nvSpPr>
+          <p:cNvPr id="2" name="Title 1">
+            <a:extLst>
+              <a:ext uri="{FF2B5EF4-FFF2-40B4-BE49-F238E27FC236}">
+                <a16:creationId xmlns:a16="http://schemas.microsoft.com/office/drawing/2014/main" id="{135458A2-3391-4125-BEF0-7FB9F035E0D1}"/>
+              </a:ext>
+            </a:extLst>
+          </p:cNvPr>
+          <p:cNvSpPr>
+            <a:spLocks noGrp="1"/>
+          </p:cNvSpPr>
+          <p:nvPr>
+            <p:ph type="title"/>
+          </p:nvPr>
+        </p:nvSpPr>
+        <p:spPr>
+          <a:xfrm>
+            <a:off x="4152550" y="609600"/>
+            <a:ext cx="2802951" cy="1320800"/>
+          </a:xfrm>
+        </p:spPr>
+        <p:txBody>
+          <a:bodyPr>
+            <a:normAutofit/>
+          </a:bodyPr>
+          <a:lstStyle/>
+          <a:p>
+            <a:pPr>
+              <a:lnSpc>
+                <a:spcPct val="90000"/>
+              </a:lnSpc>
+            </a:pPr>
+            <a:r>
+              <a:rPr lang="en-AU" sz="2800"/>
+              <a:t>Self-motivation</a:t>
+            </a:r>
+            <a:br>
+              <a:rPr lang="en-AU" sz="2800"/>
+            </a:br>
+            <a:endParaRPr lang="en-AU" sz="2800"/>
+          </a:p>
+        </p:txBody>
+      </p:sp>
+      <p:sp>
+        <p:nvSpPr>
+          <p:cNvPr id="3" name="Content Placeholder 2">
+            <a:extLst>
+              <a:ext uri="{FF2B5EF4-FFF2-40B4-BE49-F238E27FC236}">
+                <a16:creationId xmlns:a16="http://schemas.microsoft.com/office/drawing/2014/main" id="{09E2C526-A9C4-4AD5-AF3D-C87B94251189}"/>
+              </a:ext>
+            </a:extLst>
+          </p:cNvPr>
+          <p:cNvSpPr>
+            <a:spLocks noGrp="1"/>
+          </p:cNvSpPr>
+          <p:nvPr>
+            <p:ph idx="1"/>
+          </p:nvPr>
+        </p:nvSpPr>
+        <p:spPr>
+          <a:xfrm>
+            <a:off x="3907172" y="2160589"/>
+            <a:ext cx="3048329" cy="3880773"/>
+          </a:xfrm>
+        </p:spPr>
+        <p:txBody>
+          <a:bodyPr>
+            <a:normAutofit/>
+          </a:bodyPr>
+          <a:lstStyle/>
+          <a:p>
+            <a:pPr marL="0" marR="0" lvl="0" indent="0" defTabSz="914400" rtl="0" eaLnBrk="0" fontAlgn="base" latinLnBrk="0" hangingPunct="0">
+              <a:lnSpc>
+                <a:spcPct val="90000"/>
+              </a:lnSpc>
+              <a:spcBef>
+                <a:spcPct val="0"/>
+              </a:spcBef>
+              <a:spcAft>
+                <a:spcPct val="0"/>
+              </a:spcAft>
+              <a:buClrTx/>
+              <a:buSzTx/>
+              <a:buFontTx/>
+              <a:buNone/>
+              <a:tabLst/>
+            </a:pPr>
+            <a:r>
+              <a:rPr kumimoji="0" lang="en-US" altLang="en-US" sz="1700" b="0" i="0" u="none" strike="noStrike" cap="none" normalizeH="0" baseline="0" dirty="0">
+                <a:ln>
+                  <a:noFill/>
+                </a:ln>
+                <a:effectLst/>
+                <a:latin typeface="lora"/>
+              </a:rPr>
+              <a:t>“Self-motivation is, in its simplest form, the force that drives you to do things” (Skills You Need, n.d.).</a:t>
+            </a:r>
+            <a:endParaRPr kumimoji="0" lang="en-US" altLang="en-US" sz="1700" b="0" i="0" u="none" strike="noStrike" cap="none" normalizeH="0" baseline="0" dirty="0">
+              <a:ln>
+                <a:noFill/>
+              </a:ln>
+              <a:effectLst/>
+            </a:endParaRPr>
+          </a:p>
+          <a:p>
+            <a:pPr>
+              <a:lnSpc>
+                <a:spcPct val="90000"/>
+              </a:lnSpc>
+            </a:pPr>
+            <a:endParaRPr lang="en-US" sz="1700" b="1" dirty="0"/>
+          </a:p>
+          <a:p>
+            <a:pPr>
+              <a:lnSpc>
+                <a:spcPct val="90000"/>
+              </a:lnSpc>
+            </a:pPr>
+            <a:r>
+              <a:rPr lang="en-US" sz="1700" dirty="0">
+                <a:latin typeface="lora"/>
+              </a:rPr>
+              <a:t>Further reading – </a:t>
+            </a:r>
+            <a:r>
+              <a:rPr lang="en-US" sz="1700" dirty="0">
+                <a:latin typeface="lora"/>
+                <a:hlinkClick r:id="rId2"/>
+              </a:rPr>
+              <a:t>Positive Psychology</a:t>
+            </a:r>
+            <a:endParaRPr lang="en-US" sz="1700" dirty="0">
+              <a:latin typeface="lora"/>
+            </a:endParaRPr>
+          </a:p>
+          <a:p>
+            <a:pPr>
+              <a:lnSpc>
+                <a:spcPct val="90000"/>
+              </a:lnSpc>
+            </a:pPr>
+            <a:endParaRPr lang="en-US" sz="1700" dirty="0">
+              <a:latin typeface="lora"/>
+            </a:endParaRPr>
+          </a:p>
+          <a:p>
+            <a:pPr>
+              <a:lnSpc>
+                <a:spcPct val="90000"/>
+              </a:lnSpc>
+            </a:pPr>
+            <a:r>
+              <a:rPr lang="en-US" sz="1700" dirty="0">
+                <a:latin typeface="lora"/>
+              </a:rPr>
+              <a:t>Know the definition and use it to explain health benefits of good self-motivation or poor self- motivation. </a:t>
+            </a:r>
+          </a:p>
+          <a:p>
+            <a:pPr>
+              <a:lnSpc>
+                <a:spcPct val="90000"/>
+              </a:lnSpc>
+            </a:pPr>
+            <a:r>
+              <a:rPr lang="en-US" sz="1700" dirty="0">
+                <a:latin typeface="lora"/>
+              </a:rPr>
+              <a:t>Create 2 examples </a:t>
+            </a:r>
+            <a:endParaRPr lang="en-AU" sz="1700" dirty="0"/>
+          </a:p>
+        </p:txBody>
+      </p:sp>
+      <p:pic>
+        <p:nvPicPr>
+          <p:cNvPr id="12" name="Picture 11" descr="A picture containing person, game, racket, sport&#10;&#10;Description automatically generated">
+            <a:extLst>
+              <a:ext uri="{FF2B5EF4-FFF2-40B4-BE49-F238E27FC236}">
+                <a16:creationId xmlns:a16="http://schemas.microsoft.com/office/drawing/2014/main" id="{831F71CF-5508-499E-AA57-153C7F852E52}"/>
+              </a:ext>
+            </a:extLst>
+          </p:cNvPr>
+          <p:cNvPicPr>
+            <a:picLocks noChangeAspect="1"/>
+          </p:cNvPicPr>
+          <p:nvPr/>
+        </p:nvPicPr>
+        <p:blipFill rotWithShape="1">
+          <a:blip r:embed="rId3">
+            <a:extLst>
+              <a:ext uri="{28A0092B-C50C-407E-A947-70E740481C1C}">
+                <a14:useLocalDpi xmlns:a14="http://schemas.microsoft.com/office/drawing/2010/main" val="0"/>
+              </a:ext>
+              <a:ext uri="{837473B0-CC2E-450A-ABE3-18F120FF3D39}">
+                <a1611:picAttrSrcUrl xmlns:a1611="http://schemas.microsoft.com/office/drawing/2016/11/main" r:id="rId4"/>
+              </a:ext>
+            </a:extLst>
+          </a:blip>
+          <a:srcRect l="29494" r="26993" b="-2"/>
+          <a:stretch/>
+        </p:blipFill>
+        <p:spPr>
+          <a:xfrm>
+            <a:off x="20" y="-1"/>
+            <a:ext cx="4046200" cy="6858001"/>
+          </a:xfrm>
+          <a:custGeom>
+            <a:avLst/>
+            <a:gdLst/>
+            <a:ahLst/>
+            <a:cxnLst/>
+            <a:rect l="l" t="t" r="r" b="b"/>
+            <a:pathLst>
+              <a:path w="5394960" h="6858000">
+                <a:moveTo>
+                  <a:pt x="842596" y="0"/>
+                </a:moveTo>
+                <a:lnTo>
+                  <a:pt x="5394960" y="0"/>
+                </a:lnTo>
+                <a:lnTo>
+                  <a:pt x="5394960" y="21851"/>
+                </a:lnTo>
+                <a:lnTo>
+                  <a:pt x="4365943" y="6858000"/>
+                </a:lnTo>
+                <a:lnTo>
+                  <a:pt x="0" y="6858000"/>
+                </a:lnTo>
+                <a:lnTo>
+                  <a:pt x="0" y="5666154"/>
+                </a:lnTo>
+                <a:close/>
+              </a:path>
+            </a:pathLst>
+          </a:custGeom>
+        </p:spPr>
+      </p:pic>
+      <p:sp>
+        <p:nvSpPr>
+          <p:cNvPr id="18" name="Isosceles Triangle 17">
+            <a:extLst>
+              <a:ext uri="{FF2B5EF4-FFF2-40B4-BE49-F238E27FC236}">
+                <a16:creationId xmlns:a16="http://schemas.microsoft.com/office/drawing/2014/main" id="{3BCB5F6A-9EB0-40B0-9D13-3023E9A20508}"/>
+              </a:ext>
+              <a:ext uri="{C183D7F6-B498-43B3-948B-1728B52AA6E4}">
+                <adec:decorative xmlns:adec="http://schemas.microsoft.com/office/drawing/2017/decorative" val="1"/>
+              </a:ext>
+            </a:extLst>
+          </p:cNvPr>
+          <p:cNvSpPr>
+            <a:spLocks noGrp="1" noRot="1" noChangeAspect="1" noMove="1" noResize="1" noEditPoints="1" noAdjustHandles="1" noChangeArrowheads="1" noChangeShapeType="1" noTextEdit="1"/>
+          </p:cNvSpPr>
+          <p:nvPr>
+            <p:extLst>
+              <p:ext uri="{386F3935-93C4-4BCD-93E2-E3B085C9AB24}">
+                <p16:designElem xmlns:p16="http://schemas.microsoft.com/office/powerpoint/2015/main" val="1"/>
+              </p:ext>
+            </p:extLst>
+          </p:nvPr>
+        </p:nvSpPr>
+        <p:spPr>
+          <a:xfrm rot="10800000">
+            <a:off x="0" y="0"/>
+            <a:ext cx="631947" cy="5666154"/>
+          </a:xfrm>
+          <a:prstGeom prst="triangle">
+            <a:avLst>
+              <a:gd name="adj" fmla="val 100000"/>
+            </a:avLst>
+          </a:prstGeom>
+          <a:solidFill>
+            <a:schemeClr val="accent1"/>
+          </a:solidFill>
+          <a:ln>
+            <a:noFill/>
+          </a:ln>
+          <a:effectLst/>
+        </p:spPr>
+        <p:style>
+          <a:lnRef idx="1">
+            <a:schemeClr val="accent1"/>
+          </a:lnRef>
+          <a:fillRef idx="3">
+            <a:schemeClr val="accent1"/>
+          </a:fillRef>
+          <a:effectRef idx="2">
+            <a:schemeClr val="accent1"/>
+          </a:effectRef>
+          <a:fontRef idx="minor">
+            <a:schemeClr val="lt1"/>
+          </a:fontRef>
+        </p:style>
+      </p:sp>
+      <p:sp>
+        <p:nvSpPr>
+          <p:cNvPr id="13" name="TextBox 12">
+            <a:extLst>
+              <a:ext uri="{FF2B5EF4-FFF2-40B4-BE49-F238E27FC236}">
+                <a16:creationId xmlns:a16="http://schemas.microsoft.com/office/drawing/2014/main" id="{D0EF6EEB-2F83-443D-8BE0-648DEF8B6D3A}"/>
+              </a:ext>
+            </a:extLst>
+          </p:cNvPr>
+          <p:cNvSpPr txBox="1"/>
+          <p:nvPr/>
+        </p:nvSpPr>
+        <p:spPr>
+          <a:xfrm>
+            <a:off x="6473076" y="6657945"/>
+            <a:ext cx="2670924" cy="200055"/>
+          </a:xfrm>
+          <a:prstGeom prst="rect">
+            <a:avLst/>
+          </a:prstGeom>
+          <a:solidFill>
+            <a:srgbClr val="000000"/>
+          </a:solidFill>
+        </p:spPr>
+        <p:txBody>
+          <a:bodyPr wrap="none" rtlCol="0">
+            <a:spAutoFit/>
+          </a:bodyPr>
+          <a:lstStyle/>
+          <a:p>
+            <a:pPr algn="r">
+              <a:spcAft>
+                <a:spcPts val="600"/>
+              </a:spcAft>
+            </a:pPr>
+            <a:r>
+              <a:rPr lang="en-AU" sz="700">
+                <a:solidFill>
+                  <a:srgbClr val="FFFFFF"/>
+                </a:solidFill>
+                <a:hlinkClick r:id="rId4" tooltip="http://spanishfootballsports.blogspot.com/2013/03/spanish-tennis-rafael-nadal-wins-indian.html">
+                  <a:extLst>
+                    <a:ext uri="{A12FA001-AC4F-418D-AE19-62706E023703}">
+                      <ahyp:hlinkClr xmlns:ahyp="http://schemas.microsoft.com/office/drawing/2018/hyperlinkcolor" val="tx"/>
+                    </a:ext>
+                  </a:extLst>
+                </a:hlinkClick>
+              </a:rPr>
+              <a:t>This Photo</a:t>
+            </a:r>
+            <a:r>
+              <a:rPr lang="en-AU" sz="700">
+                <a:solidFill>
+                  <a:srgbClr val="FFFFFF"/>
+                </a:solidFill>
+              </a:rPr>
+              <a:t> by Unknown Author is licensed under </a:t>
+            </a:r>
+            <a:r>
+              <a:rPr lang="en-AU" sz="700">
+                <a:solidFill>
+                  <a:srgbClr val="FFFFFF"/>
+                </a:solidFill>
+                <a:hlinkClick r:id="rId5" tooltip="https://creativecommons.org/licenses/by-nc-sa/3.0/">
+                  <a:extLst>
+                    <a:ext uri="{A12FA001-AC4F-418D-AE19-62706E023703}">
+                      <ahyp:hlinkClr xmlns:ahyp="http://schemas.microsoft.com/office/drawing/2018/hyperlinkcolor" val="tx"/>
+                    </a:ext>
+                  </a:extLst>
+                </a:hlinkClick>
+              </a:rPr>
+              <a:t>CC BY-SA-NC</a:t>
+            </a:r>
+            <a:endParaRPr lang="en-AU" sz="700">
+              <a:solidFill>
+                <a:srgbClr val="FFFFFF"/>
+              </a:solidFill>
+            </a:endParaRPr>
+          </a:p>
+        </p:txBody>
+      </p:sp>
+    </p:spTree>
+    <p:extLst>
+      <p:ext uri="{BB962C8B-B14F-4D97-AF65-F5344CB8AC3E}">
+        <p14:creationId xmlns:p14="http://schemas.microsoft.com/office/powerpoint/2010/main" val="3298122761"/>
+      </p:ext>
+    </p:extLst>
+  </p:cSld>
+  <p:clrMapOvr>
+    <a:masterClrMapping/>
+  </p:clrMapOvr>
+</p:sld>
+</file>
+
+<file path=ppt/slides/slide51.xml><?xml version="1.0" encoding="utf-8"?>
+<p:sld xmlns:a="http://schemas.openxmlformats.org/drawingml/2006/main" xmlns:r="http://schemas.openxmlformats.org/officeDocument/2006/relationships" xmlns:p="http://schemas.openxmlformats.org/presentationml/2006/main">
+  <p:cSld>
+    <p:bg>
+      <p:bgPr>
+        <a:solidFill>
+          <a:schemeClr val="bg1"/>
+        </a:solidFill>
+        <a:effectLst/>
+      </p:bgPr>
+    </p:bg>
+    <p:spTree>
+      <p:nvGrpSpPr>
+        <p:cNvPr id="1" name=""/>
+        <p:cNvGrpSpPr/>
+        <p:nvPr/>
+      </p:nvGrpSpPr>
+      <p:grpSpPr>
+        <a:xfrm>
+          <a:off x="0" y="0"/>
+          <a:ext cx="0" cy="0"/>
+          <a:chOff x="0" y="0"/>
+          <a:chExt cx="0" cy="0"/>
+        </a:xfrm>
+      </p:grpSpPr>
+      <p:sp>
+        <p:nvSpPr>
+          <p:cNvPr id="2" name="Title 1">
+            <a:extLst>
+              <a:ext uri="{FF2B5EF4-FFF2-40B4-BE49-F238E27FC236}">
+                <a16:creationId xmlns:a16="http://schemas.microsoft.com/office/drawing/2014/main" id="{135458A2-3391-4125-BEF0-7FB9F035E0D1}"/>
+              </a:ext>
+            </a:extLst>
+          </p:cNvPr>
+          <p:cNvSpPr>
+            <a:spLocks noGrp="1"/>
+          </p:cNvSpPr>
+          <p:nvPr>
+            <p:ph type="title"/>
+          </p:nvPr>
+        </p:nvSpPr>
+        <p:spPr>
+          <a:xfrm>
+            <a:off x="4152550" y="609600"/>
+            <a:ext cx="2802951" cy="1320800"/>
+          </a:xfrm>
+        </p:spPr>
+        <p:txBody>
+          <a:bodyPr>
+            <a:normAutofit/>
+          </a:bodyPr>
+          <a:lstStyle/>
+          <a:p>
+            <a:pPr>
+              <a:lnSpc>
+                <a:spcPct val="90000"/>
+              </a:lnSpc>
+            </a:pPr>
+            <a:r>
+              <a:rPr lang="en-AU" sz="2800" dirty="0"/>
+              <a:t>Social-awareness</a:t>
+            </a:r>
+            <a:br>
+              <a:rPr lang="en-AU" sz="2800" dirty="0"/>
+            </a:br>
+            <a:endParaRPr lang="en-AU" sz="2800" dirty="0"/>
+          </a:p>
+        </p:txBody>
+      </p:sp>
+      <p:sp>
+        <p:nvSpPr>
+          <p:cNvPr id="3" name="Content Placeholder 2">
+            <a:extLst>
+              <a:ext uri="{FF2B5EF4-FFF2-40B4-BE49-F238E27FC236}">
+                <a16:creationId xmlns:a16="http://schemas.microsoft.com/office/drawing/2014/main" id="{09E2C526-A9C4-4AD5-AF3D-C87B94251189}"/>
+              </a:ext>
+            </a:extLst>
+          </p:cNvPr>
+          <p:cNvSpPr>
+            <a:spLocks noGrp="1"/>
+          </p:cNvSpPr>
+          <p:nvPr>
+            <p:ph idx="1"/>
+          </p:nvPr>
+        </p:nvSpPr>
+        <p:spPr>
+          <a:xfrm>
+            <a:off x="3907172" y="2160589"/>
+            <a:ext cx="3048329" cy="3880773"/>
+          </a:xfrm>
+        </p:spPr>
+        <p:txBody>
+          <a:bodyPr>
+            <a:normAutofit/>
+          </a:bodyPr>
+          <a:lstStyle/>
+          <a:p>
+            <a:pPr marL="0" marR="0" lvl="0" indent="0" defTabSz="914400" rtl="0" eaLnBrk="0" fontAlgn="base" latinLnBrk="0" hangingPunct="0">
+              <a:lnSpc>
+                <a:spcPct val="90000"/>
+              </a:lnSpc>
+              <a:spcBef>
+                <a:spcPct val="0"/>
+              </a:spcBef>
+              <a:spcAft>
+                <a:spcPct val="0"/>
+              </a:spcAft>
+              <a:buClrTx/>
+              <a:buSzTx/>
+              <a:buFontTx/>
+              <a:buNone/>
+              <a:tabLst/>
+            </a:pPr>
+            <a:r>
+              <a:rPr lang="en-US" sz="1500" b="0" i="0" dirty="0">
+                <a:effectLst/>
+                <a:latin typeface="lora"/>
+              </a:rPr>
+              <a:t>Social awareness competencies involve being able to sense other people’s emotions, understanding their unique perspectives and learning to take an active interest in things they are concerned about.</a:t>
+            </a:r>
+            <a:endParaRPr lang="en-US" sz="1500" b="1" dirty="0"/>
+          </a:p>
+          <a:p>
+            <a:pPr>
+              <a:lnSpc>
+                <a:spcPct val="90000"/>
+              </a:lnSpc>
+            </a:pPr>
+            <a:r>
+              <a:rPr lang="en-US" sz="1500" dirty="0">
+                <a:latin typeface="lora"/>
+              </a:rPr>
+              <a:t>Further reading – </a:t>
+            </a:r>
+            <a:r>
+              <a:rPr lang="en-US" sz="1500" dirty="0">
+                <a:latin typeface="lora"/>
+                <a:hlinkClick r:id="rId2"/>
+              </a:rPr>
+              <a:t>Social - awareness</a:t>
+            </a:r>
+            <a:endParaRPr lang="en-US" sz="1500" dirty="0">
+              <a:latin typeface="lora"/>
+            </a:endParaRPr>
+          </a:p>
+          <a:p>
+            <a:pPr>
+              <a:lnSpc>
+                <a:spcPct val="90000"/>
+              </a:lnSpc>
+            </a:pPr>
+            <a:endParaRPr lang="en-US" sz="1500" dirty="0">
+              <a:latin typeface="lora"/>
+            </a:endParaRPr>
+          </a:p>
+          <a:p>
+            <a:pPr>
+              <a:lnSpc>
+                <a:spcPct val="90000"/>
+              </a:lnSpc>
+            </a:pPr>
+            <a:r>
+              <a:rPr lang="en-US" sz="1500" dirty="0">
+                <a:latin typeface="lora"/>
+              </a:rPr>
+              <a:t>Know the definition and use it to explain health benefits of good social-awareness or poor social-awareness. </a:t>
+            </a:r>
+          </a:p>
+          <a:p>
+            <a:pPr>
+              <a:lnSpc>
+                <a:spcPct val="90000"/>
+              </a:lnSpc>
+            </a:pPr>
+            <a:r>
+              <a:rPr lang="en-US" sz="1500" dirty="0">
+                <a:latin typeface="lora"/>
+              </a:rPr>
+              <a:t>Create 2 examples </a:t>
+            </a:r>
+            <a:endParaRPr lang="en-AU" sz="1500" dirty="0"/>
+          </a:p>
+        </p:txBody>
+      </p:sp>
+      <p:pic>
+        <p:nvPicPr>
+          <p:cNvPr id="5" name="Picture 4" descr="A person with a baseball glove&#10;&#10;Description automatically generated">
+            <a:extLst>
+              <a:ext uri="{FF2B5EF4-FFF2-40B4-BE49-F238E27FC236}">
+                <a16:creationId xmlns:a16="http://schemas.microsoft.com/office/drawing/2014/main" id="{90DE02DF-BF54-4DE1-B43A-C81467A03E4B}"/>
+              </a:ext>
+            </a:extLst>
+          </p:cNvPr>
+          <p:cNvPicPr>
+            <a:picLocks noChangeAspect="1"/>
+          </p:cNvPicPr>
+          <p:nvPr/>
+        </p:nvPicPr>
+        <p:blipFill rotWithShape="1">
+          <a:blip r:embed="rId3" cstate="print">
+            <a:extLst>
+              <a:ext uri="{28A0092B-C50C-407E-A947-70E740481C1C}">
+                <a14:useLocalDpi xmlns:a14="http://schemas.microsoft.com/office/drawing/2010/main" val="0"/>
+              </a:ext>
+              <a:ext uri="{837473B0-CC2E-450A-ABE3-18F120FF3D39}">
+                <a1611:picAttrSrcUrl xmlns:a1611="http://schemas.microsoft.com/office/drawing/2016/11/main" r:id="rId4"/>
+              </a:ext>
+            </a:extLst>
+          </a:blip>
+          <a:srcRect l="38376" r="22241" b="-2"/>
+          <a:stretch/>
+        </p:blipFill>
+        <p:spPr>
+          <a:xfrm>
+            <a:off x="20" y="-1"/>
+            <a:ext cx="4046200" cy="6858001"/>
+          </a:xfrm>
+          <a:custGeom>
+            <a:avLst/>
+            <a:gdLst/>
+            <a:ahLst/>
+            <a:cxnLst/>
+            <a:rect l="l" t="t" r="r" b="b"/>
+            <a:pathLst>
+              <a:path w="5394960" h="6858000">
+                <a:moveTo>
+                  <a:pt x="842596" y="0"/>
+                </a:moveTo>
+                <a:lnTo>
+                  <a:pt x="5394960" y="0"/>
+                </a:lnTo>
+                <a:lnTo>
+                  <a:pt x="5394960" y="21851"/>
+                </a:lnTo>
+                <a:lnTo>
+                  <a:pt x="4365943" y="6858000"/>
+                </a:lnTo>
+                <a:lnTo>
+                  <a:pt x="0" y="6858000"/>
+                </a:lnTo>
+                <a:lnTo>
+                  <a:pt x="0" y="5666154"/>
+                </a:lnTo>
+                <a:close/>
+              </a:path>
+            </a:pathLst>
+          </a:custGeom>
+        </p:spPr>
+      </p:pic>
+      <p:sp>
+        <p:nvSpPr>
+          <p:cNvPr id="23" name="Isosceles Triangle 22">
+            <a:extLst>
+              <a:ext uri="{FF2B5EF4-FFF2-40B4-BE49-F238E27FC236}">
+                <a16:creationId xmlns:a16="http://schemas.microsoft.com/office/drawing/2014/main" id="{3BCB5F6A-9EB0-40B0-9D13-3023E9A20508}"/>
+              </a:ext>
+              <a:ext uri="{C183D7F6-B498-43B3-948B-1728B52AA6E4}">
+                <adec:decorative xmlns:adec="http://schemas.microsoft.com/office/drawing/2017/decorative" val="1"/>
+              </a:ext>
+            </a:extLst>
+          </p:cNvPr>
+          <p:cNvSpPr>
+            <a:spLocks noGrp="1" noRot="1" noChangeAspect="1" noMove="1" noResize="1" noEditPoints="1" noAdjustHandles="1" noChangeArrowheads="1" noChangeShapeType="1" noTextEdit="1"/>
+          </p:cNvSpPr>
+          <p:nvPr>
+            <p:extLst>
+              <p:ext uri="{386F3935-93C4-4BCD-93E2-E3B085C9AB24}">
+                <p16:designElem xmlns:p16="http://schemas.microsoft.com/office/powerpoint/2015/main" val="1"/>
+              </p:ext>
+            </p:extLst>
+          </p:nvPr>
+        </p:nvSpPr>
+        <p:spPr>
+          <a:xfrm rot="10800000">
+            <a:off x="0" y="0"/>
+            <a:ext cx="631947" cy="5666154"/>
+          </a:xfrm>
+          <a:prstGeom prst="triangle">
+            <a:avLst>
+              <a:gd name="adj" fmla="val 100000"/>
+            </a:avLst>
+          </a:prstGeom>
+          <a:solidFill>
+            <a:schemeClr val="accent1"/>
+          </a:solidFill>
+          <a:ln>
+            <a:noFill/>
+          </a:ln>
+          <a:effectLst/>
+        </p:spPr>
+        <p:style>
+          <a:lnRef idx="1">
+            <a:schemeClr val="accent1"/>
+          </a:lnRef>
+          <a:fillRef idx="3">
+            <a:schemeClr val="accent1"/>
+          </a:fillRef>
+          <a:effectRef idx="2">
+            <a:schemeClr val="accent1"/>
+          </a:effectRef>
+          <a:fontRef idx="minor">
+            <a:schemeClr val="lt1"/>
+          </a:fontRef>
+        </p:style>
+      </p:sp>
+    </p:spTree>
+    <p:extLst>
+      <p:ext uri="{BB962C8B-B14F-4D97-AF65-F5344CB8AC3E}">
+        <p14:creationId xmlns:p14="http://schemas.microsoft.com/office/powerpoint/2010/main" val="944416477"/>
+      </p:ext>
+    </p:extLst>
+  </p:cSld>
+  <p:clrMapOvr>
+    <a:masterClrMapping/>
+  </p:clrMapOvr>
+</p:sld>
+</file>
+
+<file path=ppt/slides/slide52.xml><?xml version="1.0" encoding="utf-8"?>
+<p:sld xmlns:a="http://schemas.openxmlformats.org/drawingml/2006/main" xmlns:r="http://schemas.openxmlformats.org/officeDocument/2006/relationships" xmlns:p="http://schemas.openxmlformats.org/presentationml/2006/main">
+  <p:cSld>
+    <p:bg>
+      <p:bgPr>
+        <a:solidFill>
+          <a:schemeClr val="bg1"/>
+        </a:solidFill>
+        <a:effectLst/>
+      </p:bgPr>
+    </p:bg>
+    <p:spTree>
+      <p:nvGrpSpPr>
+        <p:cNvPr id="1" name=""/>
+        <p:cNvGrpSpPr/>
+        <p:nvPr/>
+      </p:nvGrpSpPr>
+      <p:grpSpPr>
+        <a:xfrm>
+          <a:off x="0" y="0"/>
+          <a:ext cx="0" cy="0"/>
+          <a:chOff x="0" y="0"/>
+          <a:chExt cx="0" cy="0"/>
+        </a:xfrm>
+      </p:grpSpPr>
+      <p:pic>
+        <p:nvPicPr>
+          <p:cNvPr id="6" name="Picture 5" descr="A picture containing person, child, young, little&#10;&#10;Description automatically generated">
+            <a:extLst>
+              <a:ext uri="{FF2B5EF4-FFF2-40B4-BE49-F238E27FC236}">
+                <a16:creationId xmlns:a16="http://schemas.microsoft.com/office/drawing/2014/main" id="{E5BFB006-B5EB-49F7-8A7E-A6AC8EB4F7E0}"/>
+              </a:ext>
+            </a:extLst>
+          </p:cNvPr>
+          <p:cNvPicPr>
+            <a:picLocks noChangeAspect="1"/>
+          </p:cNvPicPr>
+          <p:nvPr/>
+        </p:nvPicPr>
+        <p:blipFill rotWithShape="1">
+          <a:blip r:embed="rId2">
+            <a:extLst>
+              <a:ext uri="{28A0092B-C50C-407E-A947-70E740481C1C}">
+                <a14:useLocalDpi xmlns:a14="http://schemas.microsoft.com/office/drawing/2010/main" val="0"/>
+              </a:ext>
+              <a:ext uri="{837473B0-CC2E-450A-ABE3-18F120FF3D39}">
+                <a1611:picAttrSrcUrl xmlns:a1611="http://schemas.microsoft.com/office/drawing/2016/11/main" r:id="rId3"/>
+              </a:ext>
+            </a:extLst>
+          </a:blip>
+          <a:srcRect l="18726" r="23660"/>
+          <a:stretch/>
+        </p:blipFill>
+        <p:spPr>
+          <a:xfrm>
+            <a:off x="3202390" y="-1"/>
+            <a:ext cx="5941610" cy="6858001"/>
+          </a:xfrm>
+          <a:custGeom>
+            <a:avLst/>
+            <a:gdLst/>
+            <a:ahLst/>
+            <a:cxnLst/>
+            <a:rect l="l" t="t" r="r" b="b"/>
+            <a:pathLst>
+              <a:path w="7922146" h="6858001">
+                <a:moveTo>
+                  <a:pt x="379987" y="0"/>
+                </a:moveTo>
+                <a:lnTo>
+                  <a:pt x="5304971" y="0"/>
+                </a:lnTo>
+                <a:lnTo>
+                  <a:pt x="7065281" y="0"/>
+                </a:lnTo>
+                <a:lnTo>
+                  <a:pt x="7397540" y="0"/>
+                </a:lnTo>
+                <a:lnTo>
+                  <a:pt x="7397540" y="1"/>
+                </a:lnTo>
+                <a:lnTo>
+                  <a:pt x="7922146" y="1"/>
+                </a:lnTo>
+                <a:lnTo>
+                  <a:pt x="7922146" y="6858001"/>
+                </a:lnTo>
+                <a:lnTo>
+                  <a:pt x="7065281" y="6858001"/>
+                </a:lnTo>
+                <a:lnTo>
+                  <a:pt x="7065281" y="6858000"/>
+                </a:lnTo>
+                <a:lnTo>
+                  <a:pt x="5932989" y="6858000"/>
+                </a:lnTo>
+                <a:lnTo>
+                  <a:pt x="5932989" y="6858001"/>
+                </a:lnTo>
+                <a:lnTo>
+                  <a:pt x="27809" y="6858001"/>
+                </a:lnTo>
+                <a:lnTo>
+                  <a:pt x="1803228" y="4521201"/>
+                </a:lnTo>
+                <a:close/>
+                <a:moveTo>
+                  <a:pt x="0" y="0"/>
+                </a:moveTo>
+                <a:lnTo>
+                  <a:pt x="379987" y="0"/>
+                </a:lnTo>
+                <a:lnTo>
+                  <a:pt x="0" y="407"/>
+                </a:lnTo>
+                <a:close/>
+              </a:path>
+            </a:pathLst>
+          </a:custGeom>
+        </p:spPr>
+      </p:pic>
+      <p:sp>
+        <p:nvSpPr>
+          <p:cNvPr id="2" name="Title 1">
+            <a:extLst>
+              <a:ext uri="{FF2B5EF4-FFF2-40B4-BE49-F238E27FC236}">
+                <a16:creationId xmlns:a16="http://schemas.microsoft.com/office/drawing/2014/main" id="{135458A2-3391-4125-BEF0-7FB9F035E0D1}"/>
+              </a:ext>
+            </a:extLst>
+          </p:cNvPr>
+          <p:cNvSpPr>
+            <a:spLocks noGrp="1"/>
+          </p:cNvSpPr>
+          <p:nvPr>
+            <p:ph type="title"/>
+          </p:nvPr>
+        </p:nvSpPr>
+        <p:spPr>
+          <a:xfrm>
+            <a:off x="507999" y="609600"/>
+            <a:ext cx="2888343" cy="1320800"/>
+          </a:xfrm>
+        </p:spPr>
+        <p:txBody>
+          <a:bodyPr>
+            <a:normAutofit/>
+          </a:bodyPr>
+          <a:lstStyle/>
+          <a:p>
+            <a:r>
+              <a:rPr lang="en-AU"/>
+              <a:t>Social-skills</a:t>
+            </a:r>
+            <a:br>
+              <a:rPr lang="en-AU"/>
+            </a:br>
+            <a:endParaRPr lang="en-AU"/>
+          </a:p>
+        </p:txBody>
+      </p:sp>
+      <p:sp>
+        <p:nvSpPr>
+          <p:cNvPr id="3" name="Content Placeholder 2">
+            <a:extLst>
+              <a:ext uri="{FF2B5EF4-FFF2-40B4-BE49-F238E27FC236}">
+                <a16:creationId xmlns:a16="http://schemas.microsoft.com/office/drawing/2014/main" id="{09E2C526-A9C4-4AD5-AF3D-C87B94251189}"/>
+              </a:ext>
+            </a:extLst>
+          </p:cNvPr>
+          <p:cNvSpPr>
+            <a:spLocks noGrp="1"/>
+          </p:cNvSpPr>
+          <p:nvPr>
+            <p:ph idx="1"/>
+          </p:nvPr>
+        </p:nvSpPr>
+        <p:spPr>
+          <a:xfrm>
+            <a:off x="508000" y="2160589"/>
+            <a:ext cx="2888342" cy="3880773"/>
+          </a:xfrm>
+        </p:spPr>
+        <p:txBody>
+          <a:bodyPr>
+            <a:normAutofit/>
+          </a:bodyPr>
+          <a:lstStyle/>
+          <a:p>
+            <a:pPr marL="0" marR="0" lvl="0" indent="0" defTabSz="914400" rtl="0" eaLnBrk="0" fontAlgn="base" latinLnBrk="0" hangingPunct="0">
+              <a:lnSpc>
+                <a:spcPct val="90000"/>
+              </a:lnSpc>
+              <a:spcBef>
+                <a:spcPct val="0"/>
+              </a:spcBef>
+              <a:spcAft>
+                <a:spcPct val="0"/>
+              </a:spcAft>
+              <a:buClrTx/>
+              <a:buSzTx/>
+              <a:buFontTx/>
+              <a:buNone/>
+              <a:tabLst/>
+            </a:pPr>
+            <a:r>
+              <a:rPr lang="en-US" sz="1500" b="0" i="0">
+                <a:effectLst/>
+                <a:latin typeface="Fira Sans"/>
+              </a:rPr>
+              <a:t>Social skills are the skills we use everyday to interact and communicate with others. They include verbal and non-verbal communication, such as speech, gesture, facial expression and body language</a:t>
+            </a:r>
+          </a:p>
+          <a:p>
+            <a:pPr marL="0" marR="0" lvl="0" indent="0" defTabSz="914400" rtl="0" eaLnBrk="0" fontAlgn="base" latinLnBrk="0" hangingPunct="0">
+              <a:lnSpc>
+                <a:spcPct val="90000"/>
+              </a:lnSpc>
+              <a:spcBef>
+                <a:spcPct val="0"/>
+              </a:spcBef>
+              <a:spcAft>
+                <a:spcPct val="0"/>
+              </a:spcAft>
+              <a:buClrTx/>
+              <a:buSzTx/>
+              <a:buFontTx/>
+              <a:buNone/>
+              <a:tabLst/>
+            </a:pPr>
+            <a:endParaRPr lang="en-US" sz="1500">
+              <a:latin typeface="Fira Sans"/>
+            </a:endParaRPr>
+          </a:p>
+          <a:p>
+            <a:pPr marL="0" marR="0" lvl="0" indent="0" defTabSz="914400" rtl="0" eaLnBrk="0" fontAlgn="base" latinLnBrk="0" hangingPunct="0">
+              <a:lnSpc>
+                <a:spcPct val="90000"/>
+              </a:lnSpc>
+              <a:spcBef>
+                <a:spcPct val="0"/>
+              </a:spcBef>
+              <a:spcAft>
+                <a:spcPct val="0"/>
+              </a:spcAft>
+              <a:buClrTx/>
+              <a:buSzTx/>
+              <a:buFontTx/>
+              <a:buNone/>
+              <a:tabLst/>
+            </a:pPr>
+            <a:r>
+              <a:rPr lang="en-US" sz="1500" dirty="0">
+                <a:latin typeface="lora"/>
+              </a:rPr>
+              <a:t>Further reading – </a:t>
+            </a:r>
+            <a:r>
+              <a:rPr lang="en-US" sz="1500" dirty="0">
+                <a:latin typeface="lora"/>
+                <a:hlinkClick r:id="rId4"/>
+              </a:rPr>
+              <a:t>Social skills</a:t>
+            </a:r>
+            <a:endParaRPr lang="en-US" sz="1500" dirty="0">
+              <a:latin typeface="lora"/>
+            </a:endParaRPr>
+          </a:p>
+          <a:p>
+            <a:pPr>
+              <a:lnSpc>
+                <a:spcPct val="90000"/>
+              </a:lnSpc>
+            </a:pPr>
+            <a:endParaRPr lang="en-US" sz="1500" dirty="0">
+              <a:latin typeface="lora"/>
+            </a:endParaRPr>
+          </a:p>
+          <a:p>
+            <a:pPr>
+              <a:lnSpc>
+                <a:spcPct val="90000"/>
+              </a:lnSpc>
+            </a:pPr>
+            <a:r>
+              <a:rPr lang="en-US" sz="1500" dirty="0">
+                <a:latin typeface="lora"/>
+              </a:rPr>
+              <a:t>Know the definition and use it to explain health benefits of good social-skills or poor social-skills. </a:t>
+            </a:r>
+          </a:p>
+          <a:p>
+            <a:pPr>
+              <a:lnSpc>
+                <a:spcPct val="90000"/>
+              </a:lnSpc>
+            </a:pPr>
+            <a:r>
+              <a:rPr lang="en-US" sz="1500" dirty="0">
+                <a:latin typeface="lora"/>
+              </a:rPr>
+              <a:t>Create 2 examples </a:t>
+            </a:r>
+            <a:endParaRPr lang="en-AU" sz="1500" dirty="0"/>
+          </a:p>
+        </p:txBody>
+      </p:sp>
+      <p:cxnSp>
+        <p:nvCxnSpPr>
+          <p:cNvPr id="28" name="Straight Connector 27">
+            <a:extLst>
+              <a:ext uri="{FF2B5EF4-FFF2-40B4-BE49-F238E27FC236}">
+                <a16:creationId xmlns:a16="http://schemas.microsoft.com/office/drawing/2014/main" id="{64FA5DFF-7FE6-4855-84E6-DFA78EE978BD}"/>
+              </a:ext>
+              <a:ext uri="{C183D7F6-B498-43B3-948B-1728B52AA6E4}">
+                <adec:decorative xmlns:adec="http://schemas.microsoft.com/office/drawing/2017/decorative" val="1"/>
+              </a:ext>
+            </a:extLst>
+          </p:cNvPr>
+          <p:cNvCxnSpPr>
+            <a:cxnSpLocks noGrp="1" noRot="1" noChangeAspect="1" noMove="1" noResize="1" noEditPoints="1" noAdjustHandles="1" noChangeArrowheads="1" noChangeShapeType="1"/>
+          </p:cNvCxnSpPr>
+          <p:nvPr>
+            <p:extLst>
+              <p:ext uri="{386F3935-93C4-4BCD-93E2-E3B085C9AB24}">
+                <p16:designElem xmlns:p16="http://schemas.microsoft.com/office/powerpoint/2015/main" val="1"/>
+              </p:ext>
+            </p:extLst>
+          </p:nvPr>
+        </p:nvCxnSpPr>
+        <p:spPr>
+          <a:xfrm>
+            <a:off x="7028259" y="0"/>
+            <a:ext cx="914400" cy="6858000"/>
+          </a:xfrm>
+          <a:prstGeom prst="line">
+            <a:avLst/>
+          </a:prstGeom>
+          <a:ln w="9525">
+            <a:solidFill>
+              <a:schemeClr val="bg1">
+                <a:lumMod val="75000"/>
+              </a:schemeClr>
+            </a:solidFill>
+          </a:ln>
+        </p:spPr>
+        <p:style>
+          <a:lnRef idx="2">
+            <a:schemeClr val="accent1"/>
+          </a:lnRef>
+          <a:fillRef idx="0">
+            <a:schemeClr val="accent1"/>
+          </a:fillRef>
+          <a:effectRef idx="1">
+            <a:schemeClr val="accent1"/>
+          </a:effectRef>
+          <a:fontRef idx="minor">
+            <a:schemeClr val="tx1"/>
+          </a:fontRef>
+        </p:style>
+      </p:cxnSp>
+      <p:cxnSp>
+        <p:nvCxnSpPr>
+          <p:cNvPr id="30" name="Straight Connector 29">
+            <a:extLst>
+              <a:ext uri="{FF2B5EF4-FFF2-40B4-BE49-F238E27FC236}">
+                <a16:creationId xmlns:a16="http://schemas.microsoft.com/office/drawing/2014/main" id="{2AFD8CBA-54A3-4363-991B-B9C631BBFA74}"/>
+              </a:ext>
+              <a:ext uri="{C183D7F6-B498-43B3-948B-1728B52AA6E4}">
+                <adec:decorative xmlns:adec="http://schemas.microsoft.com/office/drawing/2017/decorative" val="1"/>
+              </a:ext>
+            </a:extLst>
+          </p:cNvPr>
+          <p:cNvCxnSpPr>
+            <a:cxnSpLocks noGrp="1" noRot="1" noChangeAspect="1" noMove="1" noResize="1" noEditPoints="1" noAdjustHandles="1" noChangeArrowheads="1" noChangeShapeType="1"/>
+          </p:cNvCxnSpPr>
+          <p:nvPr>
+            <p:extLst>
+              <p:ext uri="{386F3935-93C4-4BCD-93E2-E3B085C9AB24}">
+                <p16:designElem xmlns:p16="http://schemas.microsoft.com/office/powerpoint/2015/main" val="1"/>
+              </p:ext>
+            </p:extLst>
+          </p:nvPr>
+        </p:nvCxnSpPr>
+        <p:spPr>
+          <a:xfrm flipH="1">
+            <a:off x="5568950" y="3681413"/>
+            <a:ext cx="3572668" cy="3176587"/>
+          </a:xfrm>
+          <a:prstGeom prst="line">
+            <a:avLst/>
+          </a:prstGeom>
+          <a:ln w="9525">
+            <a:solidFill>
+              <a:schemeClr val="bg1">
+                <a:lumMod val="85000"/>
+              </a:schemeClr>
+            </a:solidFill>
+          </a:ln>
+        </p:spPr>
+        <p:style>
+          <a:lnRef idx="2">
+            <a:schemeClr val="accent1"/>
+          </a:lnRef>
+          <a:fillRef idx="0">
+            <a:schemeClr val="accent1"/>
+          </a:fillRef>
+          <a:effectRef idx="1">
+            <a:schemeClr val="accent1"/>
+          </a:effectRef>
+          <a:fontRef idx="minor">
+            <a:schemeClr val="tx1"/>
+          </a:fontRef>
+        </p:style>
+      </p:cxnSp>
+      <p:sp>
+        <p:nvSpPr>
+          <p:cNvPr id="32" name="Rectangle 23">
+            <a:extLst>
+              <a:ext uri="{FF2B5EF4-FFF2-40B4-BE49-F238E27FC236}">
+                <a16:creationId xmlns:a16="http://schemas.microsoft.com/office/drawing/2014/main" id="{3F088236-D655-4F88-B238-E16762358025}"/>
+              </a:ext>
+              <a:ext uri="{C183D7F6-B498-43B3-948B-1728B52AA6E4}">
+                <adec:decorative xmlns:adec="http://schemas.microsoft.com/office/drawing/2017/decorative" val="1"/>
+              </a:ext>
+            </a:extLst>
+          </p:cNvPr>
+          <p:cNvSpPr>
+            <a:spLocks noGrp="1" noRot="1" noChangeAspect="1" noMove="1" noResize="1" noEditPoints="1" noAdjustHandles="1" noChangeArrowheads="1" noChangeShapeType="1" noTextEdit="1"/>
+          </p:cNvSpPr>
+          <p:nvPr>
+            <p:extLst>
+              <p:ext uri="{386F3935-93C4-4BCD-93E2-E3B085C9AB24}">
+                <p16:designElem xmlns:p16="http://schemas.microsoft.com/office/powerpoint/2015/main" val="1"/>
+              </p:ext>
+            </p:extLst>
+          </p:nvPr>
+        </p:nvSpPr>
+        <p:spPr>
+          <a:xfrm>
+            <a:off x="6886107" y="-8467"/>
+            <a:ext cx="2255511" cy="6866467"/>
+          </a:xfrm>
+          <a:custGeom>
+            <a:avLst/>
+            <a:gdLst/>
+            <a:ahLst/>
+            <a:cxnLst/>
+            <a:rect l="l" t="t" r="r" b="b"/>
+            <a:pathLst>
+              <a:path w="3007349" h="6866467">
+                <a:moveTo>
+                  <a:pt x="2045532" y="0"/>
+                </a:moveTo>
+                <a:lnTo>
+                  <a:pt x="3007349" y="0"/>
+                </a:lnTo>
+                <a:lnTo>
+                  <a:pt x="3007349" y="6866467"/>
+                </a:lnTo>
+                <a:lnTo>
+                  <a:pt x="0" y="6866467"/>
+                </a:lnTo>
+                <a:lnTo>
+                  <a:pt x="2045532" y="0"/>
+                </a:lnTo>
+                <a:close/>
+              </a:path>
+            </a:pathLst>
+          </a:custGeom>
+          <a:solidFill>
+            <a:schemeClr val="accent1">
+              <a:alpha val="30000"/>
+            </a:schemeClr>
+          </a:solidFill>
+          <a:ln>
+            <a:noFill/>
+          </a:ln>
+          <a:effectLst/>
+        </p:spPr>
+        <p:style>
+          <a:lnRef idx="1">
+            <a:schemeClr val="accent1"/>
+          </a:lnRef>
+          <a:fillRef idx="3">
+            <a:schemeClr val="accent1"/>
+          </a:fillRef>
+          <a:effectRef idx="2">
+            <a:schemeClr val="accent1"/>
+          </a:effectRef>
+          <a:fontRef idx="minor">
+            <a:schemeClr val="lt1"/>
+          </a:fontRef>
+        </p:style>
+      </p:sp>
+      <p:sp>
+        <p:nvSpPr>
+          <p:cNvPr id="34" name="Rectangle 25">
+            <a:extLst>
+              <a:ext uri="{FF2B5EF4-FFF2-40B4-BE49-F238E27FC236}">
+                <a16:creationId xmlns:a16="http://schemas.microsoft.com/office/drawing/2014/main" id="{3DAC0C92-199E-475C-9390-119A9B027276}"/>
+              </a:ext>
+              <a:ext uri="{C183D7F6-B498-43B3-948B-1728B52AA6E4}">
+                <adec:decorative xmlns:adec="http://schemas.microsoft.com/office/drawing/2017/decorative" val="1"/>
+              </a:ext>
+            </a:extLst>
+          </p:cNvPr>
+          <p:cNvSpPr>
+            <a:spLocks noGrp="1" noRot="1" noChangeAspect="1" noMove="1" noResize="1" noEditPoints="1" noAdjustHandles="1" noChangeArrowheads="1" noChangeShapeType="1" noTextEdit="1"/>
+          </p:cNvSpPr>
+          <p:nvPr>
+            <p:extLst>
+              <p:ext uri="{386F3935-93C4-4BCD-93E2-E3B085C9AB24}">
+                <p16:designElem xmlns:p16="http://schemas.microsoft.com/office/powerpoint/2015/main" val="1"/>
+              </p:ext>
+            </p:extLst>
+          </p:nvPr>
+        </p:nvSpPr>
+        <p:spPr>
+          <a:xfrm>
+            <a:off x="7202581" y="-8467"/>
+            <a:ext cx="1941419" cy="6866467"/>
+          </a:xfrm>
+          <a:custGeom>
+            <a:avLst/>
+            <a:gdLst/>
+            <a:ahLst/>
+            <a:cxnLst/>
+            <a:rect l="l" t="t" r="r" b="b"/>
+            <a:pathLst>
+              <a:path w="2573311" h="6866467">
+                <a:moveTo>
+                  <a:pt x="0" y="0"/>
+                </a:moveTo>
+                <a:lnTo>
+                  <a:pt x="2573311" y="0"/>
+                </a:lnTo>
+                <a:lnTo>
+                  <a:pt x="2573311" y="6866467"/>
+                </a:lnTo>
+                <a:lnTo>
+                  <a:pt x="1202336" y="6866467"/>
+                </a:lnTo>
+                <a:lnTo>
+                  <a:pt x="0" y="0"/>
+                </a:lnTo>
+                <a:close/>
+              </a:path>
+            </a:pathLst>
+          </a:custGeom>
+          <a:solidFill>
+            <a:schemeClr val="accent1">
+              <a:alpha val="20000"/>
+            </a:schemeClr>
+          </a:solidFill>
+          <a:ln>
+            <a:noFill/>
+          </a:ln>
+          <a:effectLst/>
+        </p:spPr>
+        <p:style>
+          <a:lnRef idx="1">
+            <a:schemeClr val="accent1"/>
+          </a:lnRef>
+          <a:fillRef idx="3">
+            <a:schemeClr val="accent1"/>
+          </a:fillRef>
+          <a:effectRef idx="2">
+            <a:schemeClr val="accent1"/>
+          </a:effectRef>
+          <a:fontRef idx="minor">
+            <a:schemeClr val="lt1"/>
+          </a:fontRef>
+        </p:style>
+      </p:sp>
+      <p:sp>
+        <p:nvSpPr>
+          <p:cNvPr id="36" name="Isosceles Triangle 24">
+            <a:extLst>
+              <a:ext uri="{FF2B5EF4-FFF2-40B4-BE49-F238E27FC236}">
+                <a16:creationId xmlns:a16="http://schemas.microsoft.com/office/drawing/2014/main" id="{C4CFB339-0ED8-4FE2-9EF1-6D1375B8499B}"/>
+              </a:ext>
+              <a:ext uri="{C183D7F6-B498-43B3-948B-1728B52AA6E4}">
+                <adec:decorative xmlns:adec="http://schemas.microsoft.com/office/drawing/2017/decorative" val="1"/>
+              </a:ext>
+            </a:extLst>
+          </p:cNvPr>
+          <p:cNvSpPr>
+            <a:spLocks noGrp="1" noRot="1" noChangeAspect="1" noMove="1" noResize="1" noEditPoints="1" noAdjustHandles="1" noChangeArrowheads="1" noChangeShapeType="1" noTextEdit="1"/>
+          </p:cNvSpPr>
+          <p:nvPr>
+            <p:extLst>
+              <p:ext uri="{386F3935-93C4-4BCD-93E2-E3B085C9AB24}">
+                <p16:designElem xmlns:p16="http://schemas.microsoft.com/office/powerpoint/2015/main" val="1"/>
+              </p:ext>
+            </p:extLst>
+          </p:nvPr>
+        </p:nvSpPr>
+        <p:spPr>
+          <a:xfrm>
+            <a:off x="6699249" y="3048000"/>
+            <a:ext cx="2444751" cy="3810000"/>
+          </a:xfrm>
+          <a:prstGeom prst="triangle">
+            <a:avLst>
+              <a:gd name="adj" fmla="val 100000"/>
+            </a:avLst>
+          </a:prstGeom>
+          <a:solidFill>
+            <a:schemeClr val="accent2">
+              <a:alpha val="72000"/>
+            </a:schemeClr>
+          </a:solidFill>
+          <a:ln>
+            <a:noFill/>
+          </a:ln>
+          <a:effectLst/>
+        </p:spPr>
+        <p:style>
+          <a:lnRef idx="1">
+            <a:schemeClr val="accent1"/>
+          </a:lnRef>
+          <a:fillRef idx="3">
+            <a:schemeClr val="accent1"/>
+          </a:fillRef>
+          <a:effectRef idx="2">
+            <a:schemeClr val="accent1"/>
+          </a:effectRef>
+          <a:fontRef idx="minor">
+            <a:schemeClr val="lt1"/>
+          </a:fontRef>
+        </p:style>
+      </p:sp>
+      <p:sp>
+        <p:nvSpPr>
+          <p:cNvPr id="38" name="Rectangle 27">
+            <a:extLst>
+              <a:ext uri="{FF2B5EF4-FFF2-40B4-BE49-F238E27FC236}">
+                <a16:creationId xmlns:a16="http://schemas.microsoft.com/office/drawing/2014/main" id="{31896C80-2069-4431-9C19-83B913734490}"/>
+              </a:ext>
+              <a:ext uri="{C183D7F6-B498-43B3-948B-1728B52AA6E4}">
+                <adec:decorative xmlns:adec="http://schemas.microsoft.com/office/drawing/2017/decorative" val="1"/>
+              </a:ext>
+            </a:extLst>
+          </p:cNvPr>
+          <p:cNvSpPr>
+            <a:spLocks noGrp="1" noRot="1" noChangeAspect="1" noMove="1" noResize="1" noEditPoints="1" noAdjustHandles="1" noChangeArrowheads="1" noChangeShapeType="1" noTextEdit="1"/>
+          </p:cNvSpPr>
+          <p:nvPr>
+            <p:extLst>
+              <p:ext uri="{386F3935-93C4-4BCD-93E2-E3B085C9AB24}">
+                <p16:designElem xmlns:p16="http://schemas.microsoft.com/office/powerpoint/2015/main" val="1"/>
+              </p:ext>
+            </p:extLst>
+          </p:nvPr>
+        </p:nvSpPr>
+        <p:spPr>
+          <a:xfrm>
+            <a:off x="7000875" y="-8467"/>
+            <a:ext cx="2140744" cy="6866467"/>
+          </a:xfrm>
+          <a:custGeom>
+            <a:avLst/>
+            <a:gdLst/>
+            <a:ahLst/>
+            <a:cxnLst/>
+            <a:rect l="l" t="t" r="r" b="b"/>
+            <a:pathLst>
+              <a:path w="2858013" h="6866467">
+                <a:moveTo>
+                  <a:pt x="0" y="0"/>
+                </a:moveTo>
+                <a:lnTo>
+                  <a:pt x="2858013" y="0"/>
+                </a:lnTo>
+                <a:lnTo>
+                  <a:pt x="2858013" y="6866467"/>
+                </a:lnTo>
+                <a:lnTo>
+                  <a:pt x="2473942" y="6866467"/>
+                </a:lnTo>
+                <a:lnTo>
+                  <a:pt x="0" y="0"/>
+                </a:lnTo>
+                <a:close/>
+              </a:path>
+            </a:pathLst>
+          </a:custGeom>
+          <a:solidFill>
+            <a:schemeClr val="accent2">
+              <a:lumMod val="75000"/>
+              <a:alpha val="47000"/>
+            </a:schemeClr>
+          </a:solidFill>
+          <a:ln>
+            <a:noFill/>
+          </a:ln>
+          <a:effectLst/>
+        </p:spPr>
+        <p:style>
+          <a:lnRef idx="1">
+            <a:schemeClr val="accent1"/>
+          </a:lnRef>
+          <a:fillRef idx="3">
+            <a:schemeClr val="accent1"/>
+          </a:fillRef>
+          <a:effectRef idx="2">
+            <a:schemeClr val="accent1"/>
+          </a:effectRef>
+          <a:fontRef idx="minor">
+            <a:schemeClr val="lt1"/>
+          </a:fontRef>
+        </p:style>
+      </p:sp>
+      <p:sp>
+        <p:nvSpPr>
+          <p:cNvPr id="40" name="Rectangle 28">
+            <a:extLst>
+              <a:ext uri="{FF2B5EF4-FFF2-40B4-BE49-F238E27FC236}">
+                <a16:creationId xmlns:a16="http://schemas.microsoft.com/office/drawing/2014/main" id="{BF120A21-0841-4823-B0C4-28AEBCEF9B78}"/>
+              </a:ext>
+              <a:ext uri="{C183D7F6-B498-43B3-948B-1728B52AA6E4}">
+                <adec:decorative xmlns:adec="http://schemas.microsoft.com/office/drawing/2017/decorative" val="1"/>
+              </a:ext>
+            </a:extLst>
+          </p:cNvPr>
+          <p:cNvSpPr>
+            <a:spLocks noGrp="1" noRot="1" noChangeAspect="1" noMove="1" noResize="1" noEditPoints="1" noAdjustHandles="1" noChangeArrowheads="1" noChangeShapeType="1" noTextEdit="1"/>
+          </p:cNvSpPr>
+          <p:nvPr>
+            <p:extLst>
+              <p:ext uri="{386F3935-93C4-4BCD-93E2-E3B085C9AB24}">
+                <p16:designElem xmlns:p16="http://schemas.microsoft.com/office/powerpoint/2015/main" val="1"/>
+              </p:ext>
+            </p:extLst>
+          </p:nvPr>
+        </p:nvSpPr>
+        <p:spPr>
+          <a:xfrm>
+            <a:off x="8174047" y="-8467"/>
+            <a:ext cx="967571" cy="6866467"/>
+          </a:xfrm>
+          <a:custGeom>
+            <a:avLst/>
+            <a:gdLst/>
+            <a:ahLst/>
+            <a:cxnLst/>
+            <a:rect l="l" t="t" r="r" b="b"/>
+            <a:pathLst>
+              <a:path w="1290094" h="6858000">
+                <a:moveTo>
+                  <a:pt x="1019735" y="0"/>
+                </a:moveTo>
+                <a:lnTo>
+                  <a:pt x="1290094" y="0"/>
+                </a:lnTo>
+                <a:lnTo>
+                  <a:pt x="1290094" y="6858000"/>
+                </a:lnTo>
+                <a:lnTo>
+                  <a:pt x="0" y="6858000"/>
+                </a:lnTo>
+                <a:lnTo>
+                  <a:pt x="1019735" y="0"/>
+                </a:lnTo>
+                <a:close/>
+              </a:path>
+            </a:pathLst>
+          </a:custGeom>
+          <a:solidFill>
+            <a:schemeClr val="accent1">
+              <a:lumMod val="60000"/>
+              <a:lumOff val="40000"/>
+              <a:alpha val="70000"/>
+            </a:schemeClr>
+          </a:solidFill>
+          <a:ln>
+            <a:noFill/>
+          </a:ln>
+          <a:effectLst/>
+        </p:spPr>
+        <p:style>
+          <a:lnRef idx="1">
+            <a:schemeClr val="accent1"/>
+          </a:lnRef>
+          <a:fillRef idx="3">
+            <a:schemeClr val="accent1"/>
+          </a:fillRef>
+          <a:effectRef idx="2">
+            <a:schemeClr val="accent1"/>
+          </a:effectRef>
+          <a:fontRef idx="minor">
+            <a:schemeClr val="lt1"/>
+          </a:fontRef>
+        </p:style>
+      </p:sp>
+      <p:sp>
+        <p:nvSpPr>
+          <p:cNvPr id="42" name="Rectangle 29">
+            <a:extLst>
+              <a:ext uri="{FF2B5EF4-FFF2-40B4-BE49-F238E27FC236}">
+                <a16:creationId xmlns:a16="http://schemas.microsoft.com/office/drawing/2014/main" id="{DBB05BAE-BBD3-4289-899F-A6851503C6B0}"/>
+              </a:ext>
+              <a:ext uri="{C183D7F6-B498-43B3-948B-1728B52AA6E4}">
+                <adec:decorative xmlns:adec="http://schemas.microsoft.com/office/drawing/2017/decorative" val="1"/>
+              </a:ext>
+            </a:extLst>
+          </p:cNvPr>
+          <p:cNvSpPr>
+            <a:spLocks noGrp="1" noRot="1" noChangeAspect="1" noMove="1" noResize="1" noEditPoints="1" noAdjustHandles="1" noChangeArrowheads="1" noChangeShapeType="1" noTextEdit="1"/>
+          </p:cNvSpPr>
+          <p:nvPr>
+            <p:extLst>
+              <p:ext uri="{386F3935-93C4-4BCD-93E2-E3B085C9AB24}">
+                <p16:designElem xmlns:p16="http://schemas.microsoft.com/office/powerpoint/2015/main" val="1"/>
+              </p:ext>
+            </p:extLst>
+          </p:nvPr>
+        </p:nvSpPr>
+        <p:spPr>
+          <a:xfrm>
+            <a:off x="8204249" y="-8467"/>
+            <a:ext cx="937369" cy="6866467"/>
+          </a:xfrm>
+          <a:custGeom>
+            <a:avLst/>
+            <a:gdLst/>
+            <a:ahLst/>
+            <a:cxnLst/>
+            <a:rect l="l" t="t" r="r" b="b"/>
+            <a:pathLst>
+              <a:path w="1249825" h="6858000">
+                <a:moveTo>
+                  <a:pt x="0" y="0"/>
+                </a:moveTo>
+                <a:lnTo>
+                  <a:pt x="1249825" y="0"/>
+                </a:lnTo>
+                <a:lnTo>
+                  <a:pt x="1249825" y="6858000"/>
+                </a:lnTo>
+                <a:lnTo>
+                  <a:pt x="1109382" y="6858000"/>
+                </a:lnTo>
+                <a:lnTo>
+                  <a:pt x="0" y="0"/>
+                </a:lnTo>
+                <a:close/>
+              </a:path>
+            </a:pathLst>
+          </a:custGeom>
+          <a:solidFill>
+            <a:schemeClr val="accent1">
+              <a:alpha val="65000"/>
+            </a:schemeClr>
+          </a:solidFill>
+          <a:ln>
+            <a:noFill/>
+          </a:ln>
+          <a:effectLst/>
+        </p:spPr>
+        <p:style>
+          <a:lnRef idx="1">
+            <a:schemeClr val="accent1"/>
+          </a:lnRef>
+          <a:fillRef idx="3">
+            <a:schemeClr val="accent1"/>
+          </a:fillRef>
+          <a:effectRef idx="2">
+            <a:schemeClr val="accent1"/>
+          </a:effectRef>
+          <a:fontRef idx="minor">
+            <a:schemeClr val="lt1"/>
+          </a:fontRef>
+        </p:style>
+      </p:sp>
+      <p:sp>
+        <p:nvSpPr>
+          <p:cNvPr id="44" name="Isosceles Triangle 29">
+            <a:extLst>
+              <a:ext uri="{FF2B5EF4-FFF2-40B4-BE49-F238E27FC236}">
+                <a16:creationId xmlns:a16="http://schemas.microsoft.com/office/drawing/2014/main" id="{9874D11C-36F5-4BBE-A490-019A54E953B0}"/>
+              </a:ext>
+              <a:ext uri="{C183D7F6-B498-43B3-948B-1728B52AA6E4}">
+                <adec:decorative xmlns:adec="http://schemas.microsoft.com/office/drawing/2017/decorative" val="1"/>
+              </a:ext>
+            </a:extLst>
+          </p:cNvPr>
+          <p:cNvSpPr>
+            <a:spLocks noGrp="1" noRot="1" noChangeAspect="1" noMove="1" noResize="1" noEditPoints="1" noAdjustHandles="1" noChangeArrowheads="1" noChangeShapeType="1" noTextEdit="1"/>
+          </p:cNvSpPr>
+          <p:nvPr>
+            <p:extLst>
+              <p:ext uri="{386F3935-93C4-4BCD-93E2-E3B085C9AB24}">
+                <p16:designElem xmlns:p16="http://schemas.microsoft.com/office/powerpoint/2015/main" val="1"/>
+              </p:ext>
+            </p:extLst>
+          </p:nvPr>
+        </p:nvSpPr>
+        <p:spPr>
+          <a:xfrm>
+            <a:off x="7778749" y="3589867"/>
+            <a:ext cx="1362869" cy="3268133"/>
+          </a:xfrm>
+          <a:prstGeom prst="triangle">
+            <a:avLst>
+              <a:gd name="adj" fmla="val 100000"/>
+            </a:avLst>
+          </a:prstGeom>
+          <a:solidFill>
+            <a:schemeClr val="accent1">
+              <a:alpha val="80000"/>
+            </a:schemeClr>
+          </a:solidFill>
+          <a:ln>
+            <a:noFill/>
+          </a:ln>
+          <a:effectLst/>
+        </p:spPr>
+        <p:style>
+          <a:lnRef idx="1">
+            <a:schemeClr val="accent1"/>
+          </a:lnRef>
+          <a:fillRef idx="3">
+            <a:schemeClr val="accent1"/>
+          </a:fillRef>
+          <a:effectRef idx="2">
+            <a:schemeClr val="accent1"/>
+          </a:effectRef>
+          <a:fontRef idx="minor">
+            <a:schemeClr val="lt1"/>
+          </a:fontRef>
+        </p:style>
+      </p:sp>
+    </p:spTree>
+    <p:extLst>
+      <p:ext uri="{BB962C8B-B14F-4D97-AF65-F5344CB8AC3E}">
+        <p14:creationId xmlns:p14="http://schemas.microsoft.com/office/powerpoint/2010/main" val="3586550994"/>
+      </p:ext>
+    </p:extLst>
+  </p:cSld>
+  <p:clrMapOvr>
+    <a:masterClrMapping/>
+  </p:clrMapOvr>
+</p:sld>
+</file>
+
+<file path=ppt/slides/slide53.xml><?xml version="1.0" encoding="utf-8"?>
+<p:sld xmlns:a="http://schemas.openxmlformats.org/drawingml/2006/main" xmlns:r="http://schemas.openxmlformats.org/officeDocument/2006/relationships" xmlns:p="http://schemas.openxmlformats.org/presentationml/2006/main">
+  <p:cSld>
     <p:spTree>
       <p:nvGrpSpPr>
         <p:cNvPr id="1" name=""/>
@@ -17594,7 +20043,7 @@
 </p:sld>
 </file>
 
-<file path=ppt/slides/slide49.xml><?xml version="1.0" encoding="utf-8"?>
+<file path=ppt/slides/slide54.xml><?xml version="1.0" encoding="utf-8"?>
 <p:sld xmlns:a="http://schemas.openxmlformats.org/drawingml/2006/main" xmlns:r="http://schemas.openxmlformats.org/officeDocument/2006/relationships" xmlns:p="http://schemas.openxmlformats.org/presentationml/2006/main">
   <p:cSld>
     <p:spTree>
@@ -17859,179 +20308,7 @@
 </p:sld>
 </file>
 
-<file path=ppt/slides/slide5.xml><?xml version="1.0" encoding="utf-8"?>
-<p:sld xmlns:a="http://schemas.openxmlformats.org/drawingml/2006/main" xmlns:r="http://schemas.openxmlformats.org/officeDocument/2006/relationships" xmlns:p="http://schemas.openxmlformats.org/presentationml/2006/main">
-  <p:cSld>
-    <p:spTree>
-      <p:nvGrpSpPr>
-        <p:cNvPr id="1" name=""/>
-        <p:cNvGrpSpPr/>
-        <p:nvPr/>
-      </p:nvGrpSpPr>
-      <p:grpSpPr>
-        <a:xfrm>
-          <a:off x="0" y="0"/>
-          <a:ext cx="0" cy="0"/>
-          <a:chOff x="0" y="0"/>
-          <a:chExt cx="0" cy="0"/>
-        </a:xfrm>
-      </p:grpSpPr>
-      <p:sp>
-        <p:nvSpPr>
-          <p:cNvPr id="2" name="Title 1"/>
-          <p:cNvSpPr>
-            <a:spLocks noGrp="1"/>
-          </p:cNvSpPr>
-          <p:nvPr>
-            <p:ph type="title"/>
-          </p:nvPr>
-        </p:nvSpPr>
-        <p:spPr/>
-        <p:txBody>
-          <a:bodyPr/>
-          <a:lstStyle/>
-          <a:p>
-            <a:r>
-              <a:rPr lang="en-US" dirty="0"/>
-              <a:t>Reminder: What are “Ethics” ???</a:t>
-            </a:r>
-            <a:endParaRPr lang="en-AU" dirty="0"/>
-          </a:p>
-        </p:txBody>
-      </p:sp>
-      <p:sp>
-        <p:nvSpPr>
-          <p:cNvPr id="3" name="Content Placeholder 2"/>
-          <p:cNvSpPr>
-            <a:spLocks noGrp="1"/>
-          </p:cNvSpPr>
-          <p:nvPr>
-            <p:ph idx="1"/>
-          </p:nvPr>
-        </p:nvSpPr>
-        <p:spPr/>
-        <p:txBody>
-          <a:bodyPr/>
-          <a:lstStyle/>
-          <a:p>
-            <a:pPr marL="68580" indent="0">
-              <a:buNone/>
-            </a:pPr>
-            <a:endParaRPr lang="en-US" dirty="0"/>
-          </a:p>
-          <a:p>
-            <a:pPr marL="68580" indent="0">
-              <a:buNone/>
-            </a:pPr>
-            <a:r>
-              <a:rPr lang="en-US" dirty="0"/>
-              <a:t>ETHICS: Moral principles that govern a persons </a:t>
-            </a:r>
-            <a:r>
-              <a:rPr lang="en-US" dirty="0" err="1"/>
-              <a:t>behaviours</a:t>
-            </a:r>
-            <a:r>
-              <a:rPr lang="en-US" dirty="0"/>
-              <a:t> or the conducting of an activity. </a:t>
-            </a:r>
-            <a:endParaRPr lang="en-AU" dirty="0"/>
-          </a:p>
-        </p:txBody>
-      </p:sp>
-    </p:spTree>
-    <p:extLst>
-      <p:ext uri="{BB962C8B-B14F-4D97-AF65-F5344CB8AC3E}">
-        <p14:creationId xmlns:p14="http://schemas.microsoft.com/office/powerpoint/2010/main" val="3115741009"/>
-      </p:ext>
-    </p:extLst>
-  </p:cSld>
-  <p:clrMapOvr>
-    <a:masterClrMapping/>
-  </p:clrMapOvr>
-  <p:timing>
-    <p:tnLst>
-      <p:par>
-        <p:cTn id="1" dur="indefinite" restart="never" nodeType="tmRoot">
-          <p:childTnLst>
-            <p:seq concurrent="1" nextAc="seek">
-              <p:cTn id="2" dur="indefinite" nodeType="mainSeq">
-                <p:childTnLst>
-                  <p:par>
-                    <p:cTn id="3" fill="hold">
-                      <p:stCondLst>
-                        <p:cond delay="indefinite"/>
-                      </p:stCondLst>
-                      <p:childTnLst>
-                        <p:par>
-                          <p:cTn id="4" fill="hold">
-                            <p:stCondLst>
-                              <p:cond delay="0"/>
-                            </p:stCondLst>
-                            <p:childTnLst>
-                              <p:par>
-                                <p:cTn id="5" presetID="1" presetClass="entr" presetSubtype="0" fill="hold" nodeType="clickEffect">
-                                  <p:stCondLst>
-                                    <p:cond delay="0"/>
-                                  </p:stCondLst>
-                                  <p:childTnLst>
-                                    <p:set>
-                                      <p:cBhvr>
-                                        <p:cTn id="6" dur="1" fill="hold">
-                                          <p:stCondLst>
-                                            <p:cond delay="0"/>
-                                          </p:stCondLst>
-                                        </p:cTn>
-                                        <p:tgtEl>
-                                          <p:spTgt spid="3">
-                                            <p:txEl>
-                                              <p:pRg st="1" end="1"/>
-                                            </p:txEl>
-                                          </p:spTgt>
-                                        </p:tgtEl>
-                                        <p:attrNameLst>
-                                          <p:attrName>style.visibility</p:attrName>
-                                        </p:attrNameLst>
-                                      </p:cBhvr>
-                                      <p:to>
-                                        <p:strVal val="visible"/>
-                                      </p:to>
-                                    </p:set>
-                                  </p:childTnLst>
-                                </p:cTn>
-                              </p:par>
-                            </p:childTnLst>
-                          </p:cTn>
-                        </p:par>
-                      </p:childTnLst>
-                    </p:cTn>
-                  </p:par>
-                </p:childTnLst>
-              </p:cTn>
-              <p:prevCondLst>
-                <p:cond evt="onPrev" delay="0">
-                  <p:tgtEl>
-                    <p:sldTgt/>
-                  </p:tgtEl>
-                </p:cond>
-              </p:prevCondLst>
-              <p:nextCondLst>
-                <p:cond evt="onNext" delay="0">
-                  <p:tgtEl>
-                    <p:sldTgt/>
-                  </p:tgtEl>
-                </p:cond>
-              </p:nextCondLst>
-            </p:seq>
-          </p:childTnLst>
-        </p:cTn>
-      </p:par>
-    </p:tnLst>
-  </p:timing>
-</p:sld>
-</file>
-
-<file path=ppt/slides/slide50.xml><?xml version="1.0" encoding="utf-8"?>
+<file path=ppt/slides/slide55.xml><?xml version="1.0" encoding="utf-8"?>
 <p:sld xmlns:a="http://schemas.openxmlformats.org/drawingml/2006/main" xmlns:r="http://schemas.openxmlformats.org/officeDocument/2006/relationships" xmlns:p="http://schemas.openxmlformats.org/presentationml/2006/main">
   <p:cSld>
     <p:spTree>
@@ -18406,7 +20683,7 @@
 </p:sld>
 </file>
 
-<file path=ppt/slides/slide51.xml><?xml version="1.0" encoding="utf-8"?>
+<file path=ppt/slides/slide56.xml><?xml version="1.0" encoding="utf-8"?>
 <p:sld xmlns:a="http://schemas.openxmlformats.org/drawingml/2006/main" xmlns:r="http://schemas.openxmlformats.org/officeDocument/2006/relationships" xmlns:p="http://schemas.openxmlformats.org/presentationml/2006/main">
   <p:cSld>
     <p:spTree>
@@ -18675,7 +20952,7 @@
 </p:sld>
 </file>
 
-<file path=ppt/slides/slide52.xml><?xml version="1.0" encoding="utf-8"?>
+<file path=ppt/slides/slide57.xml><?xml version="1.0" encoding="utf-8"?>
 <p:sld xmlns:a="http://schemas.openxmlformats.org/drawingml/2006/main" xmlns:r="http://schemas.openxmlformats.org/officeDocument/2006/relationships" xmlns:p="http://schemas.openxmlformats.org/presentationml/2006/main">
   <p:cSld>
     <p:spTree>
@@ -18885,7 +21162,7 @@
 </p:sld>
 </file>
 
-<file path=ppt/slides/slide53.xml><?xml version="1.0" encoding="utf-8"?>
+<file path=ppt/slides/slide58.xml><?xml version="1.0" encoding="utf-8"?>
 <p:sld xmlns:a="http://schemas.openxmlformats.org/drawingml/2006/main" xmlns:r="http://schemas.openxmlformats.org/officeDocument/2006/relationships" xmlns:p="http://schemas.openxmlformats.org/presentationml/2006/main">
   <p:cSld>
     <p:spTree>
@@ -18964,7 +21241,7 @@
 </p:sld>
 </file>
 
-<file path=ppt/slides/slide54.xml><?xml version="1.0" encoding="utf-8"?>
+<file path=ppt/slides/slide59.xml><?xml version="1.0" encoding="utf-8"?>
 <p:sld xmlns:a="http://schemas.openxmlformats.org/drawingml/2006/main" xmlns:r="http://schemas.openxmlformats.org/officeDocument/2006/relationships" xmlns:p="http://schemas.openxmlformats.org/presentationml/2006/main">
   <p:cSld>
     <p:spTree>
@@ -19237,7 +21514,183 @@
 </p:sld>
 </file>
 
-<file path=ppt/slides/slide55.xml><?xml version="1.0" encoding="utf-8"?>
+<file path=ppt/slides/slide6.xml><?xml version="1.0" encoding="utf-8"?>
+<p:sld xmlns:a="http://schemas.openxmlformats.org/drawingml/2006/main" xmlns:r="http://schemas.openxmlformats.org/officeDocument/2006/relationships" xmlns:p="http://schemas.openxmlformats.org/presentationml/2006/main">
+  <p:cSld>
+    <p:spTree>
+      <p:nvGrpSpPr>
+        <p:cNvPr id="1" name=""/>
+        <p:cNvGrpSpPr/>
+        <p:nvPr/>
+      </p:nvGrpSpPr>
+      <p:grpSpPr>
+        <a:xfrm>
+          <a:off x="0" y="0"/>
+          <a:ext cx="0" cy="0"/>
+          <a:chOff x="0" y="0"/>
+          <a:chExt cx="0" cy="0"/>
+        </a:xfrm>
+      </p:grpSpPr>
+      <p:sp>
+        <p:nvSpPr>
+          <p:cNvPr id="2" name="Title 1"/>
+          <p:cNvSpPr>
+            <a:spLocks noGrp="1"/>
+          </p:cNvSpPr>
+          <p:nvPr>
+            <p:ph type="title"/>
+          </p:nvPr>
+        </p:nvSpPr>
+        <p:spPr/>
+        <p:txBody>
+          <a:bodyPr/>
+          <a:lstStyle/>
+          <a:p>
+            <a:r>
+              <a:rPr lang="en-US" dirty="0"/>
+              <a:t>4 Contemporary Technologies</a:t>
+            </a:r>
+            <a:endParaRPr lang="en-AU" dirty="0"/>
+          </a:p>
+        </p:txBody>
+      </p:sp>
+      <p:sp>
+        <p:nvSpPr>
+          <p:cNvPr id="3" name="Content Placeholder 2"/>
+          <p:cNvSpPr>
+            <a:spLocks noGrp="1"/>
+          </p:cNvSpPr>
+          <p:nvPr>
+            <p:ph idx="1"/>
+          </p:nvPr>
+        </p:nvSpPr>
+        <p:spPr>
+          <a:xfrm>
+            <a:off x="1691680" y="2060848"/>
+            <a:ext cx="6203032" cy="3629000"/>
+          </a:xfrm>
+        </p:spPr>
+        <p:txBody>
+          <a:bodyPr>
+            <a:normAutofit lnSpcReduction="10000"/>
+          </a:bodyPr>
+          <a:lstStyle/>
+          <a:p>
+            <a:pPr marL="514350" indent="-514350">
+              <a:buAutoNum type="arabicPeriod"/>
+            </a:pPr>
+            <a:r>
+              <a:rPr lang="en-US" dirty="0"/>
+              <a:t>Organ and Tissue Donation</a:t>
+            </a:r>
+          </a:p>
+          <a:p>
+            <a:pPr marL="514350" indent="-514350">
+              <a:buFont typeface="Wingdings 3" charset="2"/>
+              <a:buAutoNum type="arabicPeriod"/>
+            </a:pPr>
+            <a:r>
+              <a:rPr lang="en-US" dirty="0"/>
+              <a:t>In-Vitro Fertilization (IVF) </a:t>
+            </a:r>
+            <a:r>
+              <a:rPr lang="en-US" dirty="0">
+                <a:hlinkClick r:id="rId2"/>
+              </a:rPr>
+              <a:t>https://www.youtube.com/watch?v=Z0dq4qm0AtQ</a:t>
+            </a:r>
+            <a:r>
+              <a:rPr lang="en-US" dirty="0"/>
+              <a:t>  </a:t>
+            </a:r>
+          </a:p>
+          <a:p>
+            <a:pPr marL="514350" indent="-514350">
+              <a:buAutoNum type="arabicPeriod"/>
+            </a:pPr>
+            <a:r>
+              <a:rPr lang="en-US" dirty="0">
+                <a:hlinkClick r:id="rId3"/>
+              </a:rPr>
+              <a:t>https://www.youtube.com/watch?v=az3KSFZ73gw</a:t>
+            </a:r>
+            <a:endParaRPr lang="en-US" dirty="0"/>
+          </a:p>
+          <a:p>
+            <a:pPr marL="514350" indent="-514350">
+              <a:buAutoNum type="arabicPeriod"/>
+            </a:pPr>
+            <a:r>
+              <a:rPr lang="en-US" dirty="0"/>
+              <a:t>Stem Cell Research </a:t>
+            </a:r>
+            <a:r>
+              <a:rPr lang="en-US" dirty="0">
+                <a:hlinkClick r:id="rId4"/>
+              </a:rPr>
+              <a:t>https://www.youtube.com/watch?v=nGg31Foz35Y</a:t>
+            </a:r>
+            <a:r>
+              <a:rPr lang="en-US" dirty="0"/>
+              <a:t> </a:t>
+            </a:r>
+          </a:p>
+          <a:p>
+            <a:pPr marL="514350" indent="-514350">
+              <a:buAutoNum type="arabicPeriod"/>
+            </a:pPr>
+            <a:r>
+              <a:rPr lang="en-US" dirty="0"/>
+              <a:t>Genetically Modified Foods (GM) </a:t>
+            </a:r>
+            <a:r>
+              <a:rPr lang="en-US" dirty="0">
+                <a:hlinkClick r:id="rId5"/>
+              </a:rPr>
+              <a:t>https://www.youtube.com/watch?v=xTqmTx26DhE</a:t>
+            </a:r>
+            <a:r>
+              <a:rPr lang="en-US" dirty="0"/>
+              <a:t> </a:t>
+            </a:r>
+          </a:p>
+          <a:p>
+            <a:pPr marL="514350" indent="-514350">
+              <a:buAutoNum type="arabicPeriod"/>
+            </a:pPr>
+            <a:endParaRPr lang="en-US" dirty="0"/>
+          </a:p>
+          <a:p>
+            <a:pPr marL="0" indent="0">
+              <a:buNone/>
+            </a:pPr>
+            <a:r>
+              <a:rPr lang="en-AU" dirty="0">
+                <a:hlinkClick r:id="rId6"/>
+              </a:rPr>
+              <a:t>http://www.billsorganics.com.au/news/10-most-common-gmo-foods</a:t>
+            </a:r>
+            <a:r>
+              <a:rPr lang="en-AU" dirty="0"/>
+              <a:t> </a:t>
+            </a:r>
+          </a:p>
+        </p:txBody>
+      </p:sp>
+    </p:spTree>
+    <p:extLst>
+      <p:ext uri="{BB962C8B-B14F-4D97-AF65-F5344CB8AC3E}">
+        <p14:creationId xmlns:p14="http://schemas.microsoft.com/office/powerpoint/2010/main" val="3372482634"/>
+      </p:ext>
+    </p:extLst>
+  </p:cSld>
+  <p:clrMapOvr>
+    <a:masterClrMapping/>
+  </p:clrMapOvr>
+</p:sld>
+</file>
+
+<file path=ppt/slides/slide60.xml><?xml version="1.0" encoding="utf-8"?>
 <p:sld xmlns:a="http://schemas.openxmlformats.org/drawingml/2006/main" xmlns:r="http://schemas.openxmlformats.org/officeDocument/2006/relationships" xmlns:p="http://schemas.openxmlformats.org/presentationml/2006/main">
   <p:cSld>
     <p:spTree>
@@ -19577,7 +22030,7 @@
 </p:sld>
 </file>
 
-<file path=ppt/slides/slide56.xml><?xml version="1.0" encoding="utf-8"?>
+<file path=ppt/slides/slide61.xml><?xml version="1.0" encoding="utf-8"?>
 <p:sld xmlns:a="http://schemas.openxmlformats.org/drawingml/2006/main" xmlns:r="http://schemas.openxmlformats.org/officeDocument/2006/relationships" xmlns:p="http://schemas.openxmlformats.org/presentationml/2006/main">
   <p:cSld>
     <p:spTree>
@@ -19635,7 +22088,7 @@
 </p:sld>
 </file>
 
-<file path=ppt/slides/slide57.xml><?xml version="1.0" encoding="utf-8"?>
+<file path=ppt/slides/slide62.xml><?xml version="1.0" encoding="utf-8"?>
 <p:sld xmlns:a="http://schemas.openxmlformats.org/drawingml/2006/main" xmlns:r="http://schemas.openxmlformats.org/officeDocument/2006/relationships" xmlns:p="http://schemas.openxmlformats.org/presentationml/2006/main">
   <p:cSld>
     <p:spTree>
@@ -20073,7 +22526,7 @@
 </p:sld>
 </file>
 
-<file path=ppt/slides/slide58.xml><?xml version="1.0" encoding="utf-8"?>
+<file path=ppt/slides/slide63.xml><?xml version="1.0" encoding="utf-8"?>
 <p:sld xmlns:a="http://schemas.openxmlformats.org/drawingml/2006/main" xmlns:r="http://schemas.openxmlformats.org/officeDocument/2006/relationships" xmlns:p="http://schemas.openxmlformats.org/presentationml/2006/main">
   <p:cSld>
     <p:spTree>
@@ -20280,7 +22733,7 @@
 </p:sld>
 </file>
 
-<file path=ppt/slides/slide59.xml><?xml version="1.0" encoding="utf-8"?>
+<file path=ppt/slides/slide64.xml><?xml version="1.0" encoding="utf-8"?>
 <p:sld xmlns:a="http://schemas.openxmlformats.org/drawingml/2006/main" xmlns:r="http://schemas.openxmlformats.org/officeDocument/2006/relationships" xmlns:p="http://schemas.openxmlformats.org/presentationml/2006/main">
   <p:cSld>
     <p:spTree>
@@ -20879,183 +23332,7 @@
 </p:sld>
 </file>
 
-<file path=ppt/slides/slide6.xml><?xml version="1.0" encoding="utf-8"?>
-<p:sld xmlns:a="http://schemas.openxmlformats.org/drawingml/2006/main" xmlns:r="http://schemas.openxmlformats.org/officeDocument/2006/relationships" xmlns:p="http://schemas.openxmlformats.org/presentationml/2006/main">
-  <p:cSld>
-    <p:spTree>
-      <p:nvGrpSpPr>
-        <p:cNvPr id="1" name=""/>
-        <p:cNvGrpSpPr/>
-        <p:nvPr/>
-      </p:nvGrpSpPr>
-      <p:grpSpPr>
-        <a:xfrm>
-          <a:off x="0" y="0"/>
-          <a:ext cx="0" cy="0"/>
-          <a:chOff x="0" y="0"/>
-          <a:chExt cx="0" cy="0"/>
-        </a:xfrm>
-      </p:grpSpPr>
-      <p:sp>
-        <p:nvSpPr>
-          <p:cNvPr id="2" name="Title 1"/>
-          <p:cNvSpPr>
-            <a:spLocks noGrp="1"/>
-          </p:cNvSpPr>
-          <p:nvPr>
-            <p:ph type="title"/>
-          </p:nvPr>
-        </p:nvSpPr>
-        <p:spPr/>
-        <p:txBody>
-          <a:bodyPr/>
-          <a:lstStyle/>
-          <a:p>
-            <a:r>
-              <a:rPr lang="en-US" dirty="0"/>
-              <a:t>4 Contemporary Technologies</a:t>
-            </a:r>
-            <a:endParaRPr lang="en-AU" dirty="0"/>
-          </a:p>
-        </p:txBody>
-      </p:sp>
-      <p:sp>
-        <p:nvSpPr>
-          <p:cNvPr id="3" name="Content Placeholder 2"/>
-          <p:cNvSpPr>
-            <a:spLocks noGrp="1"/>
-          </p:cNvSpPr>
-          <p:nvPr>
-            <p:ph idx="1"/>
-          </p:nvPr>
-        </p:nvSpPr>
-        <p:spPr>
-          <a:xfrm>
-            <a:off x="1691680" y="2060848"/>
-            <a:ext cx="6203032" cy="3629000"/>
-          </a:xfrm>
-        </p:spPr>
-        <p:txBody>
-          <a:bodyPr>
-            <a:normAutofit lnSpcReduction="10000"/>
-          </a:bodyPr>
-          <a:lstStyle/>
-          <a:p>
-            <a:pPr marL="514350" indent="-514350">
-              <a:buAutoNum type="arabicPeriod"/>
-            </a:pPr>
-            <a:r>
-              <a:rPr lang="en-US" dirty="0"/>
-              <a:t>Organ and Tissue Donation</a:t>
-            </a:r>
-          </a:p>
-          <a:p>
-            <a:pPr marL="514350" indent="-514350">
-              <a:buFont typeface="Wingdings 3" charset="2"/>
-              <a:buAutoNum type="arabicPeriod"/>
-            </a:pPr>
-            <a:r>
-              <a:rPr lang="en-US" dirty="0"/>
-              <a:t>In-Vitro Fertilization (IVF) </a:t>
-            </a:r>
-            <a:r>
-              <a:rPr lang="en-US" dirty="0">
-                <a:hlinkClick r:id="rId2"/>
-              </a:rPr>
-              <a:t>https://www.youtube.com/watch?v=Z0dq4qm0AtQ</a:t>
-            </a:r>
-            <a:r>
-              <a:rPr lang="en-US" dirty="0"/>
-              <a:t>  </a:t>
-            </a:r>
-          </a:p>
-          <a:p>
-            <a:pPr marL="514350" indent="-514350">
-              <a:buAutoNum type="arabicPeriod"/>
-            </a:pPr>
-            <a:r>
-              <a:rPr lang="en-US" dirty="0">
-                <a:hlinkClick r:id="rId3"/>
-              </a:rPr>
-              <a:t>https://www.youtube.com/watch?v=az3KSFZ73gw</a:t>
-            </a:r>
-            <a:endParaRPr lang="en-US" dirty="0"/>
-          </a:p>
-          <a:p>
-            <a:pPr marL="514350" indent="-514350">
-              <a:buAutoNum type="arabicPeriod"/>
-            </a:pPr>
-            <a:r>
-              <a:rPr lang="en-US" dirty="0"/>
-              <a:t>Stem Cell Research </a:t>
-            </a:r>
-            <a:r>
-              <a:rPr lang="en-US" dirty="0">
-                <a:hlinkClick r:id="rId4"/>
-              </a:rPr>
-              <a:t>https://www.youtube.com/watch?v=nGg31Foz35Y</a:t>
-            </a:r>
-            <a:r>
-              <a:rPr lang="en-US" dirty="0"/>
-              <a:t> </a:t>
-            </a:r>
-          </a:p>
-          <a:p>
-            <a:pPr marL="514350" indent="-514350">
-              <a:buAutoNum type="arabicPeriod"/>
-            </a:pPr>
-            <a:r>
-              <a:rPr lang="en-US" dirty="0"/>
-              <a:t>Genetically Modified Foods (GM) </a:t>
-            </a:r>
-            <a:r>
-              <a:rPr lang="en-US" dirty="0">
-                <a:hlinkClick r:id="rId5"/>
-              </a:rPr>
-              <a:t>https://www.youtube.com/watch?v=xTqmTx26DhE</a:t>
-            </a:r>
-            <a:r>
-              <a:rPr lang="en-US" dirty="0"/>
-              <a:t> </a:t>
-            </a:r>
-          </a:p>
-          <a:p>
-            <a:pPr marL="514350" indent="-514350">
-              <a:buAutoNum type="arabicPeriod"/>
-            </a:pPr>
-            <a:endParaRPr lang="en-US" dirty="0"/>
-          </a:p>
-          <a:p>
-            <a:pPr marL="0" indent="0">
-              <a:buNone/>
-            </a:pPr>
-            <a:r>
-              <a:rPr lang="en-AU" dirty="0">
-                <a:hlinkClick r:id="rId6"/>
-              </a:rPr>
-              <a:t>http://www.billsorganics.com.au/news/10-most-common-gmo-foods</a:t>
-            </a:r>
-            <a:r>
-              <a:rPr lang="en-AU" dirty="0"/>
-              <a:t> </a:t>
-            </a:r>
-          </a:p>
-        </p:txBody>
-      </p:sp>
-    </p:spTree>
-    <p:extLst>
-      <p:ext uri="{BB962C8B-B14F-4D97-AF65-F5344CB8AC3E}">
-        <p14:creationId xmlns:p14="http://schemas.microsoft.com/office/powerpoint/2010/main" val="3372482634"/>
-      </p:ext>
-    </p:extLst>
-  </p:cSld>
-  <p:clrMapOvr>
-    <a:masterClrMapping/>
-  </p:clrMapOvr>
-</p:sld>
-</file>
-
-<file path=ppt/slides/slide60.xml><?xml version="1.0" encoding="utf-8"?>
+<file path=ppt/slides/slide65.xml><?xml version="1.0" encoding="utf-8"?>
 <p:sld xmlns:a="http://schemas.openxmlformats.org/drawingml/2006/main" xmlns:r="http://schemas.openxmlformats.org/officeDocument/2006/relationships" xmlns:p="http://schemas.openxmlformats.org/presentationml/2006/main">
   <p:cSld>
     <p:spTree>
@@ -21262,7 +23539,7 @@
 </p:sld>
 </file>
 
-<file path=ppt/slides/slide61.xml><?xml version="1.0" encoding="utf-8"?>
+<file path=ppt/slides/slide66.xml><?xml version="1.0" encoding="utf-8"?>
 <p:sld xmlns:a="http://schemas.openxmlformats.org/drawingml/2006/main" xmlns:r="http://schemas.openxmlformats.org/officeDocument/2006/relationships" xmlns:p="http://schemas.openxmlformats.org/presentationml/2006/main">
   <p:cSld>
     <p:spTree>
@@ -21953,7 +24230,7 @@
 </p:sld>
 </file>
 
-<file path=ppt/slides/slide62.xml><?xml version="1.0" encoding="utf-8"?>
+<file path=ppt/slides/slide67.xml><?xml version="1.0" encoding="utf-8"?>
 <p:sld xmlns:a="http://schemas.openxmlformats.org/drawingml/2006/main" xmlns:r="http://schemas.openxmlformats.org/officeDocument/2006/relationships" xmlns:p="http://schemas.openxmlformats.org/presentationml/2006/main">
   <p:cSld>
     <p:spTree>
@@ -22058,7 +24335,7 @@
 </p:sld>
 </file>
 
-<file path=ppt/slides/slide63.xml><?xml version="1.0" encoding="utf-8"?>
+<file path=ppt/slides/slide68.xml><?xml version="1.0" encoding="utf-8"?>
 <p:sld xmlns:a="http://schemas.openxmlformats.org/drawingml/2006/main" xmlns:r="http://schemas.openxmlformats.org/officeDocument/2006/relationships" xmlns:p="http://schemas.openxmlformats.org/presentationml/2006/main">
   <p:cSld>
     <p:spTree>
@@ -22692,7 +24969,7 @@
 </p:sld>
 </file>
 
-<file path=ppt/slides/slide64.xml><?xml version="1.0" encoding="utf-8"?>
+<file path=ppt/slides/slide69.xml><?xml version="1.0" encoding="utf-8"?>
 <p:sld xmlns:a="http://schemas.openxmlformats.org/drawingml/2006/main" xmlns:r="http://schemas.openxmlformats.org/officeDocument/2006/relationships" xmlns:p="http://schemas.openxmlformats.org/presentationml/2006/main">
   <p:cSld>
     <p:spTree>
@@ -22899,7 +25176,436 @@
 </p:sld>
 </file>
 
-<file path=ppt/slides/slide65.xml><?xml version="1.0" encoding="utf-8"?>
+<file path=ppt/slides/slide7.xml><?xml version="1.0" encoding="utf-8"?>
+<p:sld xmlns:a="http://schemas.openxmlformats.org/drawingml/2006/main" xmlns:r="http://schemas.openxmlformats.org/officeDocument/2006/relationships" xmlns:p="http://schemas.openxmlformats.org/presentationml/2006/main">
+  <p:cSld>
+    <p:spTree>
+      <p:nvGrpSpPr>
+        <p:cNvPr id="1" name=""/>
+        <p:cNvGrpSpPr/>
+        <p:nvPr/>
+      </p:nvGrpSpPr>
+      <p:grpSpPr>
+        <a:xfrm>
+          <a:off x="0" y="0"/>
+          <a:ext cx="0" cy="0"/>
+          <a:chOff x="0" y="0"/>
+          <a:chExt cx="0" cy="0"/>
+        </a:xfrm>
+      </p:grpSpPr>
+      <p:sp>
+        <p:nvSpPr>
+          <p:cNvPr id="2" name="Title 1"/>
+          <p:cNvSpPr>
+            <a:spLocks noGrp="1"/>
+          </p:cNvSpPr>
+          <p:nvPr>
+            <p:ph type="title"/>
+          </p:nvPr>
+        </p:nvSpPr>
+        <p:spPr>
+          <a:xfrm>
+            <a:off x="323528" y="332656"/>
+            <a:ext cx="8352928" cy="1143000"/>
+          </a:xfrm>
+        </p:spPr>
+        <p:txBody>
+          <a:bodyPr>
+            <a:noAutofit/>
+          </a:bodyPr>
+          <a:lstStyle/>
+          <a:p>
+            <a:pPr algn="l"/>
+            <a:r>
+              <a:rPr lang="en-US" sz="4000" b="1" u="sng" dirty="0"/>
+              <a:t>CT 1:  Organ and Tissue Donation</a:t>
+            </a:r>
+            <a:endParaRPr lang="en-AU" sz="4000" b="1" u="sng" dirty="0"/>
+          </a:p>
+        </p:txBody>
+      </p:sp>
+      <p:sp>
+        <p:nvSpPr>
+          <p:cNvPr id="3" name="Content Placeholder 2"/>
+          <p:cNvSpPr>
+            <a:spLocks noGrp="1"/>
+          </p:cNvSpPr>
+          <p:nvPr>
+            <p:ph idx="1"/>
+          </p:nvPr>
+        </p:nvSpPr>
+        <p:spPr>
+          <a:xfrm>
+            <a:off x="611560" y="1700808"/>
+            <a:ext cx="8064896" cy="3797009"/>
+          </a:xfrm>
+        </p:spPr>
+        <p:txBody>
+          <a:bodyPr>
+            <a:normAutofit/>
+          </a:bodyPr>
+          <a:lstStyle/>
+          <a:p>
+            <a:pPr marL="68580" indent="0">
+              <a:buNone/>
+            </a:pPr>
+            <a:r>
+              <a:rPr lang="en-US" dirty="0"/>
+              <a:t>What are some common organs that are transplanted?</a:t>
+            </a:r>
+          </a:p>
+          <a:p>
+            <a:r>
+              <a:rPr lang="en-US" dirty="0"/>
+              <a:t>Kidneys, lungs, livers, heart, pancreas, intestines, stomach, </a:t>
+            </a:r>
+          </a:p>
+          <a:p>
+            <a:endParaRPr lang="en-US" dirty="0"/>
+          </a:p>
+          <a:p>
+            <a:pPr marL="68580" indent="0">
+              <a:buNone/>
+            </a:pPr>
+            <a:r>
+              <a:rPr lang="en-US" dirty="0"/>
+              <a:t>What body tissues are commonly transplanted?</a:t>
+            </a:r>
+          </a:p>
+          <a:p>
+            <a:r>
+              <a:rPr lang="en-US" dirty="0"/>
+              <a:t>Blood, plasma, skin, blood vessels, eye tissues (</a:t>
+            </a:r>
+            <a:r>
+              <a:rPr lang="en-US" dirty="0" err="1"/>
+              <a:t>eg</a:t>
+            </a:r>
+            <a:r>
+              <a:rPr lang="en-US" dirty="0"/>
+              <a:t>. Cornea), bone grafts,  heart tissue. </a:t>
+            </a:r>
+          </a:p>
+          <a:p>
+            <a:pPr marL="68580" indent="0">
+              <a:buNone/>
+            </a:pPr>
+            <a:r>
+              <a:rPr lang="en-US" dirty="0"/>
+              <a:t> </a:t>
+            </a:r>
+          </a:p>
+          <a:p>
+            <a:pPr marL="68580" indent="0">
+              <a:buNone/>
+            </a:pPr>
+            <a:endParaRPr lang="en-US" dirty="0"/>
+          </a:p>
+          <a:p>
+            <a:pPr marL="68580" indent="0">
+              <a:buNone/>
+            </a:pPr>
+            <a:r>
+              <a:rPr lang="en-US" dirty="0">
+                <a:hlinkClick r:id="rId2"/>
+              </a:rPr>
+              <a:t>https://www.youtube.com/watch?v=A8vi4GoImcU</a:t>
+            </a:r>
+            <a:r>
+              <a:rPr lang="en-US" dirty="0"/>
+              <a:t> – Myths of Organ donation 3:23</a:t>
+            </a:r>
+          </a:p>
+        </p:txBody>
+      </p:sp>
+    </p:spTree>
+    <p:extLst>
+      <p:ext uri="{BB962C8B-B14F-4D97-AF65-F5344CB8AC3E}">
+        <p14:creationId xmlns:p14="http://schemas.microsoft.com/office/powerpoint/2010/main" val="1428007698"/>
+      </p:ext>
+    </p:extLst>
+  </p:cSld>
+  <p:clrMapOvr>
+    <a:masterClrMapping/>
+  </p:clrMapOvr>
+  <p:timing>
+    <p:tnLst>
+      <p:par>
+        <p:cTn id="1" dur="indefinite" restart="never" nodeType="tmRoot">
+          <p:childTnLst>
+            <p:seq concurrent="1" nextAc="seek">
+              <p:cTn id="2" dur="indefinite" nodeType="mainSeq">
+                <p:childTnLst>
+                  <p:par>
+                    <p:cTn id="3" fill="hold">
+                      <p:stCondLst>
+                        <p:cond delay="indefinite"/>
+                      </p:stCondLst>
+                      <p:childTnLst>
+                        <p:par>
+                          <p:cTn id="4" fill="hold">
+                            <p:stCondLst>
+                              <p:cond delay="0"/>
+                            </p:stCondLst>
+                            <p:childTnLst>
+                              <p:par>
+                                <p:cTn id="5" presetID="1" presetClass="entr" presetSubtype="0" fill="hold" grpId="0" nodeType="clickEffect">
+                                  <p:stCondLst>
+                                    <p:cond delay="0"/>
+                                  </p:stCondLst>
+                                  <p:childTnLst>
+                                    <p:set>
+                                      <p:cBhvr>
+                                        <p:cTn id="6" dur="1" fill="hold">
+                                          <p:stCondLst>
+                                            <p:cond delay="0"/>
+                                          </p:stCondLst>
+                                        </p:cTn>
+                                        <p:tgtEl>
+                                          <p:spTgt spid="2"/>
+                                        </p:tgtEl>
+                                        <p:attrNameLst>
+                                          <p:attrName>style.visibility</p:attrName>
+                                        </p:attrNameLst>
+                                      </p:cBhvr>
+                                      <p:to>
+                                        <p:strVal val="visible"/>
+                                      </p:to>
+                                    </p:set>
+                                  </p:childTnLst>
+                                </p:cTn>
+                              </p:par>
+                            </p:childTnLst>
+                          </p:cTn>
+                        </p:par>
+                      </p:childTnLst>
+                    </p:cTn>
+                  </p:par>
+                  <p:par>
+                    <p:cTn id="7" fill="hold">
+                      <p:stCondLst>
+                        <p:cond delay="indefinite"/>
+                      </p:stCondLst>
+                      <p:childTnLst>
+                        <p:par>
+                          <p:cTn id="8" fill="hold">
+                            <p:stCondLst>
+                              <p:cond delay="0"/>
+                            </p:stCondLst>
+                            <p:childTnLst>
+                              <p:par>
+                                <p:cTn id="9" presetID="1" presetClass="entr" presetSubtype="0" fill="hold" nodeType="clickEffect">
+                                  <p:stCondLst>
+                                    <p:cond delay="0"/>
+                                  </p:stCondLst>
+                                  <p:childTnLst>
+                                    <p:set>
+                                      <p:cBhvr>
+                                        <p:cTn id="10" dur="1" fill="hold">
+                                          <p:stCondLst>
+                                            <p:cond delay="0"/>
+                                          </p:stCondLst>
+                                        </p:cTn>
+                                        <p:tgtEl>
+                                          <p:spTgt spid="3">
+                                            <p:txEl>
+                                              <p:pRg st="0" end="0"/>
+                                            </p:txEl>
+                                          </p:spTgt>
+                                        </p:tgtEl>
+                                        <p:attrNameLst>
+                                          <p:attrName>style.visibility</p:attrName>
+                                        </p:attrNameLst>
+                                      </p:cBhvr>
+                                      <p:to>
+                                        <p:strVal val="visible"/>
+                                      </p:to>
+                                    </p:set>
+                                  </p:childTnLst>
+                                </p:cTn>
+                              </p:par>
+                            </p:childTnLst>
+                          </p:cTn>
+                        </p:par>
+                      </p:childTnLst>
+                    </p:cTn>
+                  </p:par>
+                  <p:par>
+                    <p:cTn id="11" fill="hold">
+                      <p:stCondLst>
+                        <p:cond delay="indefinite"/>
+                      </p:stCondLst>
+                      <p:childTnLst>
+                        <p:par>
+                          <p:cTn id="12" fill="hold">
+                            <p:stCondLst>
+                              <p:cond delay="0"/>
+                            </p:stCondLst>
+                            <p:childTnLst>
+                              <p:par>
+                                <p:cTn id="13" presetID="1" presetClass="entr" presetSubtype="0" fill="hold" nodeType="clickEffect">
+                                  <p:stCondLst>
+                                    <p:cond delay="0"/>
+                                  </p:stCondLst>
+                                  <p:childTnLst>
+                                    <p:set>
+                                      <p:cBhvr>
+                                        <p:cTn id="14" dur="1" fill="hold">
+                                          <p:stCondLst>
+                                            <p:cond delay="0"/>
+                                          </p:stCondLst>
+                                        </p:cTn>
+                                        <p:tgtEl>
+                                          <p:spTgt spid="3">
+                                            <p:txEl>
+                                              <p:pRg st="1" end="1"/>
+                                            </p:txEl>
+                                          </p:spTgt>
+                                        </p:tgtEl>
+                                        <p:attrNameLst>
+                                          <p:attrName>style.visibility</p:attrName>
+                                        </p:attrNameLst>
+                                      </p:cBhvr>
+                                      <p:to>
+                                        <p:strVal val="visible"/>
+                                      </p:to>
+                                    </p:set>
+                                  </p:childTnLst>
+                                </p:cTn>
+                              </p:par>
+                            </p:childTnLst>
+                          </p:cTn>
+                        </p:par>
+                      </p:childTnLst>
+                    </p:cTn>
+                  </p:par>
+                  <p:par>
+                    <p:cTn id="15" fill="hold">
+                      <p:stCondLst>
+                        <p:cond delay="indefinite"/>
+                      </p:stCondLst>
+                      <p:childTnLst>
+                        <p:par>
+                          <p:cTn id="16" fill="hold">
+                            <p:stCondLst>
+                              <p:cond delay="0"/>
+                            </p:stCondLst>
+                            <p:childTnLst>
+                              <p:par>
+                                <p:cTn id="17" presetID="1" presetClass="entr" presetSubtype="0" fill="hold" nodeType="clickEffect">
+                                  <p:stCondLst>
+                                    <p:cond delay="0"/>
+                                  </p:stCondLst>
+                                  <p:childTnLst>
+                                    <p:set>
+                                      <p:cBhvr>
+                                        <p:cTn id="18" dur="1" fill="hold">
+                                          <p:stCondLst>
+                                            <p:cond delay="0"/>
+                                          </p:stCondLst>
+                                        </p:cTn>
+                                        <p:tgtEl>
+                                          <p:spTgt spid="3">
+                                            <p:txEl>
+                                              <p:pRg st="3" end="3"/>
+                                            </p:txEl>
+                                          </p:spTgt>
+                                        </p:tgtEl>
+                                        <p:attrNameLst>
+                                          <p:attrName>style.visibility</p:attrName>
+                                        </p:attrNameLst>
+                                      </p:cBhvr>
+                                      <p:to>
+                                        <p:strVal val="visible"/>
+                                      </p:to>
+                                    </p:set>
+                                  </p:childTnLst>
+                                </p:cTn>
+                              </p:par>
+                            </p:childTnLst>
+                          </p:cTn>
+                        </p:par>
+                      </p:childTnLst>
+                    </p:cTn>
+                  </p:par>
+                  <p:par>
+                    <p:cTn id="19" fill="hold">
+                      <p:stCondLst>
+                        <p:cond delay="indefinite"/>
+                      </p:stCondLst>
+                      <p:childTnLst>
+                        <p:par>
+                          <p:cTn id="20" fill="hold">
+                            <p:stCondLst>
+                              <p:cond delay="0"/>
+                            </p:stCondLst>
+                            <p:childTnLst>
+                              <p:par>
+                                <p:cTn id="21" presetID="1" presetClass="entr" presetSubtype="0" fill="hold" nodeType="clickEffect">
+                                  <p:stCondLst>
+                                    <p:cond delay="0"/>
+                                  </p:stCondLst>
+                                  <p:childTnLst>
+                                    <p:set>
+                                      <p:cBhvr>
+                                        <p:cTn id="22" dur="1" fill="hold">
+                                          <p:stCondLst>
+                                            <p:cond delay="0"/>
+                                          </p:stCondLst>
+                                        </p:cTn>
+                                        <p:tgtEl>
+                                          <p:spTgt spid="3">
+                                            <p:txEl>
+                                              <p:pRg st="4" end="4"/>
+                                            </p:txEl>
+                                          </p:spTgt>
+                                        </p:tgtEl>
+                                        <p:attrNameLst>
+                                          <p:attrName>style.visibility</p:attrName>
+                                        </p:attrNameLst>
+                                      </p:cBhvr>
+                                      <p:to>
+                                        <p:strVal val="visible"/>
+                                      </p:to>
+                                    </p:set>
+                                  </p:childTnLst>
+                                </p:cTn>
+                              </p:par>
+                            </p:childTnLst>
+                          </p:cTn>
+                        </p:par>
+                      </p:childTnLst>
+                    </p:cTn>
+                  </p:par>
+                </p:childTnLst>
+              </p:cTn>
+              <p:prevCondLst>
+                <p:cond evt="onPrev" delay="0">
+                  <p:tgtEl>
+                    <p:sldTgt/>
+                  </p:tgtEl>
+                </p:cond>
+              </p:prevCondLst>
+              <p:nextCondLst>
+                <p:cond evt="onNext" delay="0">
+                  <p:tgtEl>
+                    <p:sldTgt/>
+                  </p:tgtEl>
+                </p:cond>
+              </p:nextCondLst>
+            </p:seq>
+          </p:childTnLst>
+        </p:cTn>
+      </p:par>
+    </p:tnLst>
+    <p:bldLst>
+      <p:bldP spid="2" grpId="0"/>
+    </p:bldLst>
+  </p:timing>
+</p:sld>
+</file>
+
+<file path=ppt/slides/slide70.xml><?xml version="1.0" encoding="utf-8"?>
 <p:sld xmlns:a="http://schemas.openxmlformats.org/drawingml/2006/main" xmlns:r="http://schemas.openxmlformats.org/officeDocument/2006/relationships" xmlns:p="http://schemas.openxmlformats.org/presentationml/2006/main">
   <p:cSld>
     <p:spTree>
@@ -23564,7 +26270,7 @@
 </p:sld>
 </file>
 
-<file path=ppt/slides/slide66.xml><?xml version="1.0" encoding="utf-8"?>
+<file path=ppt/slides/slide71.xml><?xml version="1.0" encoding="utf-8"?>
 <p:sld xmlns:a="http://schemas.openxmlformats.org/drawingml/2006/main" xmlns:r="http://schemas.openxmlformats.org/officeDocument/2006/relationships" xmlns:p="http://schemas.openxmlformats.org/presentationml/2006/main">
   <p:cSld>
     <p:spTree>
@@ -23771,7 +26477,7 @@
 </p:sld>
 </file>
 
-<file path=ppt/slides/slide67.xml><?xml version="1.0" encoding="utf-8"?>
+<file path=ppt/slides/slide72.xml><?xml version="1.0" encoding="utf-8"?>
 <p:sld xmlns:a="http://schemas.openxmlformats.org/drawingml/2006/main" xmlns:r="http://schemas.openxmlformats.org/officeDocument/2006/relationships" xmlns:p="http://schemas.openxmlformats.org/presentationml/2006/main">
   <p:cSld>
     <p:spTree>
@@ -24410,7 +27116,7 @@
 </p:sld>
 </file>
 
-<file path=ppt/slides/slide68.xml><?xml version="1.0" encoding="utf-8"?>
+<file path=ppt/slides/slide73.xml><?xml version="1.0" encoding="utf-8"?>
 <p:sld xmlns:a="http://schemas.openxmlformats.org/drawingml/2006/main" xmlns:r="http://schemas.openxmlformats.org/officeDocument/2006/relationships" xmlns:p="http://schemas.openxmlformats.org/presentationml/2006/main">
   <p:cSld>
     <p:spTree>
@@ -24683,7 +27389,7 @@
 </p:sld>
 </file>
 
-<file path=ppt/slides/slide69.xml><?xml version="1.0" encoding="utf-8"?>
+<file path=ppt/slides/slide74.xml><?xml version="1.0" encoding="utf-8"?>
 <p:sld xmlns:a="http://schemas.openxmlformats.org/drawingml/2006/main" xmlns:r="http://schemas.openxmlformats.org/officeDocument/2006/relationships" xmlns:p="http://schemas.openxmlformats.org/presentationml/2006/main">
   <p:cSld>
     <p:spTree>
@@ -24943,436 +27649,7 @@
 </p:sld>
 </file>
 
-<file path=ppt/slides/slide7.xml><?xml version="1.0" encoding="utf-8"?>
-<p:sld xmlns:a="http://schemas.openxmlformats.org/drawingml/2006/main" xmlns:r="http://schemas.openxmlformats.org/officeDocument/2006/relationships" xmlns:p="http://schemas.openxmlformats.org/presentationml/2006/main">
-  <p:cSld>
-    <p:spTree>
-      <p:nvGrpSpPr>
-        <p:cNvPr id="1" name=""/>
-        <p:cNvGrpSpPr/>
-        <p:nvPr/>
-      </p:nvGrpSpPr>
-      <p:grpSpPr>
-        <a:xfrm>
-          <a:off x="0" y="0"/>
-          <a:ext cx="0" cy="0"/>
-          <a:chOff x="0" y="0"/>
-          <a:chExt cx="0" cy="0"/>
-        </a:xfrm>
-      </p:grpSpPr>
-      <p:sp>
-        <p:nvSpPr>
-          <p:cNvPr id="2" name="Title 1"/>
-          <p:cNvSpPr>
-            <a:spLocks noGrp="1"/>
-          </p:cNvSpPr>
-          <p:nvPr>
-            <p:ph type="title"/>
-          </p:nvPr>
-        </p:nvSpPr>
-        <p:spPr>
-          <a:xfrm>
-            <a:off x="323528" y="332656"/>
-            <a:ext cx="8352928" cy="1143000"/>
-          </a:xfrm>
-        </p:spPr>
-        <p:txBody>
-          <a:bodyPr>
-            <a:noAutofit/>
-          </a:bodyPr>
-          <a:lstStyle/>
-          <a:p>
-            <a:pPr algn="l"/>
-            <a:r>
-              <a:rPr lang="en-US" sz="4000" b="1" u="sng" dirty="0"/>
-              <a:t>CT 1:  Organ and Tissue Donation</a:t>
-            </a:r>
-            <a:endParaRPr lang="en-AU" sz="4000" b="1" u="sng" dirty="0"/>
-          </a:p>
-        </p:txBody>
-      </p:sp>
-      <p:sp>
-        <p:nvSpPr>
-          <p:cNvPr id="3" name="Content Placeholder 2"/>
-          <p:cNvSpPr>
-            <a:spLocks noGrp="1"/>
-          </p:cNvSpPr>
-          <p:nvPr>
-            <p:ph idx="1"/>
-          </p:nvPr>
-        </p:nvSpPr>
-        <p:spPr>
-          <a:xfrm>
-            <a:off x="611560" y="1700808"/>
-            <a:ext cx="8064896" cy="3797009"/>
-          </a:xfrm>
-        </p:spPr>
-        <p:txBody>
-          <a:bodyPr>
-            <a:normAutofit/>
-          </a:bodyPr>
-          <a:lstStyle/>
-          <a:p>
-            <a:pPr marL="68580" indent="0">
-              <a:buNone/>
-            </a:pPr>
-            <a:r>
-              <a:rPr lang="en-US" dirty="0"/>
-              <a:t>What are some common organs that are transplanted?</a:t>
-            </a:r>
-          </a:p>
-          <a:p>
-            <a:r>
-              <a:rPr lang="en-US" dirty="0"/>
-              <a:t>Kidneys, lungs, livers, heart, pancreas, intestines, stomach, </a:t>
-            </a:r>
-          </a:p>
-          <a:p>
-            <a:endParaRPr lang="en-US" dirty="0"/>
-          </a:p>
-          <a:p>
-            <a:pPr marL="68580" indent="0">
-              <a:buNone/>
-            </a:pPr>
-            <a:r>
-              <a:rPr lang="en-US" dirty="0"/>
-              <a:t>What body tissues are commonly transplanted?</a:t>
-            </a:r>
-          </a:p>
-          <a:p>
-            <a:r>
-              <a:rPr lang="en-US" dirty="0"/>
-              <a:t>Blood, plasma, skin, blood vessels, eye tissues (</a:t>
-            </a:r>
-            <a:r>
-              <a:rPr lang="en-US" dirty="0" err="1"/>
-              <a:t>eg</a:t>
-            </a:r>
-            <a:r>
-              <a:rPr lang="en-US" dirty="0"/>
-              <a:t>. Cornea), bone grafts,  heart tissue. </a:t>
-            </a:r>
-          </a:p>
-          <a:p>
-            <a:pPr marL="68580" indent="0">
-              <a:buNone/>
-            </a:pPr>
-            <a:r>
-              <a:rPr lang="en-US" dirty="0"/>
-              <a:t> </a:t>
-            </a:r>
-          </a:p>
-          <a:p>
-            <a:pPr marL="68580" indent="0">
-              <a:buNone/>
-            </a:pPr>
-            <a:endParaRPr lang="en-US" dirty="0"/>
-          </a:p>
-          <a:p>
-            <a:pPr marL="68580" indent="0">
-              <a:buNone/>
-            </a:pPr>
-            <a:r>
-              <a:rPr lang="en-US" dirty="0">
-                <a:hlinkClick r:id="rId2"/>
-              </a:rPr>
-              <a:t>https://www.youtube.com/watch?v=A8vi4GoImcU</a:t>
-            </a:r>
-            <a:r>
-              <a:rPr lang="en-US" dirty="0"/>
-              <a:t> – Myths of Organ donation 3:23</a:t>
-            </a:r>
-          </a:p>
-        </p:txBody>
-      </p:sp>
-    </p:spTree>
-    <p:extLst>
-      <p:ext uri="{BB962C8B-B14F-4D97-AF65-F5344CB8AC3E}">
-        <p14:creationId xmlns:p14="http://schemas.microsoft.com/office/powerpoint/2010/main" val="1428007698"/>
-      </p:ext>
-    </p:extLst>
-  </p:cSld>
-  <p:clrMapOvr>
-    <a:masterClrMapping/>
-  </p:clrMapOvr>
-  <p:timing>
-    <p:tnLst>
-      <p:par>
-        <p:cTn id="1" dur="indefinite" restart="never" nodeType="tmRoot">
-          <p:childTnLst>
-            <p:seq concurrent="1" nextAc="seek">
-              <p:cTn id="2" dur="indefinite" nodeType="mainSeq">
-                <p:childTnLst>
-                  <p:par>
-                    <p:cTn id="3" fill="hold">
-                      <p:stCondLst>
-                        <p:cond delay="indefinite"/>
-                      </p:stCondLst>
-                      <p:childTnLst>
-                        <p:par>
-                          <p:cTn id="4" fill="hold">
-                            <p:stCondLst>
-                              <p:cond delay="0"/>
-                            </p:stCondLst>
-                            <p:childTnLst>
-                              <p:par>
-                                <p:cTn id="5" presetID="1" presetClass="entr" presetSubtype="0" fill="hold" grpId="0" nodeType="clickEffect">
-                                  <p:stCondLst>
-                                    <p:cond delay="0"/>
-                                  </p:stCondLst>
-                                  <p:childTnLst>
-                                    <p:set>
-                                      <p:cBhvr>
-                                        <p:cTn id="6" dur="1" fill="hold">
-                                          <p:stCondLst>
-                                            <p:cond delay="0"/>
-                                          </p:stCondLst>
-                                        </p:cTn>
-                                        <p:tgtEl>
-                                          <p:spTgt spid="2"/>
-                                        </p:tgtEl>
-                                        <p:attrNameLst>
-                                          <p:attrName>style.visibility</p:attrName>
-                                        </p:attrNameLst>
-                                      </p:cBhvr>
-                                      <p:to>
-                                        <p:strVal val="visible"/>
-                                      </p:to>
-                                    </p:set>
-                                  </p:childTnLst>
-                                </p:cTn>
-                              </p:par>
-                            </p:childTnLst>
-                          </p:cTn>
-                        </p:par>
-                      </p:childTnLst>
-                    </p:cTn>
-                  </p:par>
-                  <p:par>
-                    <p:cTn id="7" fill="hold">
-                      <p:stCondLst>
-                        <p:cond delay="indefinite"/>
-                      </p:stCondLst>
-                      <p:childTnLst>
-                        <p:par>
-                          <p:cTn id="8" fill="hold">
-                            <p:stCondLst>
-                              <p:cond delay="0"/>
-                            </p:stCondLst>
-                            <p:childTnLst>
-                              <p:par>
-                                <p:cTn id="9" presetID="1" presetClass="entr" presetSubtype="0" fill="hold" nodeType="clickEffect">
-                                  <p:stCondLst>
-                                    <p:cond delay="0"/>
-                                  </p:stCondLst>
-                                  <p:childTnLst>
-                                    <p:set>
-                                      <p:cBhvr>
-                                        <p:cTn id="10" dur="1" fill="hold">
-                                          <p:stCondLst>
-                                            <p:cond delay="0"/>
-                                          </p:stCondLst>
-                                        </p:cTn>
-                                        <p:tgtEl>
-                                          <p:spTgt spid="3">
-                                            <p:txEl>
-                                              <p:pRg st="0" end="0"/>
-                                            </p:txEl>
-                                          </p:spTgt>
-                                        </p:tgtEl>
-                                        <p:attrNameLst>
-                                          <p:attrName>style.visibility</p:attrName>
-                                        </p:attrNameLst>
-                                      </p:cBhvr>
-                                      <p:to>
-                                        <p:strVal val="visible"/>
-                                      </p:to>
-                                    </p:set>
-                                  </p:childTnLst>
-                                </p:cTn>
-                              </p:par>
-                            </p:childTnLst>
-                          </p:cTn>
-                        </p:par>
-                      </p:childTnLst>
-                    </p:cTn>
-                  </p:par>
-                  <p:par>
-                    <p:cTn id="11" fill="hold">
-                      <p:stCondLst>
-                        <p:cond delay="indefinite"/>
-                      </p:stCondLst>
-                      <p:childTnLst>
-                        <p:par>
-                          <p:cTn id="12" fill="hold">
-                            <p:stCondLst>
-                              <p:cond delay="0"/>
-                            </p:stCondLst>
-                            <p:childTnLst>
-                              <p:par>
-                                <p:cTn id="13" presetID="1" presetClass="entr" presetSubtype="0" fill="hold" nodeType="clickEffect">
-                                  <p:stCondLst>
-                                    <p:cond delay="0"/>
-                                  </p:stCondLst>
-                                  <p:childTnLst>
-                                    <p:set>
-                                      <p:cBhvr>
-                                        <p:cTn id="14" dur="1" fill="hold">
-                                          <p:stCondLst>
-                                            <p:cond delay="0"/>
-                                          </p:stCondLst>
-                                        </p:cTn>
-                                        <p:tgtEl>
-                                          <p:spTgt spid="3">
-                                            <p:txEl>
-                                              <p:pRg st="1" end="1"/>
-                                            </p:txEl>
-                                          </p:spTgt>
-                                        </p:tgtEl>
-                                        <p:attrNameLst>
-                                          <p:attrName>style.visibility</p:attrName>
-                                        </p:attrNameLst>
-                                      </p:cBhvr>
-                                      <p:to>
-                                        <p:strVal val="visible"/>
-                                      </p:to>
-                                    </p:set>
-                                  </p:childTnLst>
-                                </p:cTn>
-                              </p:par>
-                            </p:childTnLst>
-                          </p:cTn>
-                        </p:par>
-                      </p:childTnLst>
-                    </p:cTn>
-                  </p:par>
-                  <p:par>
-                    <p:cTn id="15" fill="hold">
-                      <p:stCondLst>
-                        <p:cond delay="indefinite"/>
-                      </p:stCondLst>
-                      <p:childTnLst>
-                        <p:par>
-                          <p:cTn id="16" fill="hold">
-                            <p:stCondLst>
-                              <p:cond delay="0"/>
-                            </p:stCondLst>
-                            <p:childTnLst>
-                              <p:par>
-                                <p:cTn id="17" presetID="1" presetClass="entr" presetSubtype="0" fill="hold" nodeType="clickEffect">
-                                  <p:stCondLst>
-                                    <p:cond delay="0"/>
-                                  </p:stCondLst>
-                                  <p:childTnLst>
-                                    <p:set>
-                                      <p:cBhvr>
-                                        <p:cTn id="18" dur="1" fill="hold">
-                                          <p:stCondLst>
-                                            <p:cond delay="0"/>
-                                          </p:stCondLst>
-                                        </p:cTn>
-                                        <p:tgtEl>
-                                          <p:spTgt spid="3">
-                                            <p:txEl>
-                                              <p:pRg st="3" end="3"/>
-                                            </p:txEl>
-                                          </p:spTgt>
-                                        </p:tgtEl>
-                                        <p:attrNameLst>
-                                          <p:attrName>style.visibility</p:attrName>
-                                        </p:attrNameLst>
-                                      </p:cBhvr>
-                                      <p:to>
-                                        <p:strVal val="visible"/>
-                                      </p:to>
-                                    </p:set>
-                                  </p:childTnLst>
-                                </p:cTn>
-                              </p:par>
-                            </p:childTnLst>
-                          </p:cTn>
-                        </p:par>
-                      </p:childTnLst>
-                    </p:cTn>
-                  </p:par>
-                  <p:par>
-                    <p:cTn id="19" fill="hold">
-                      <p:stCondLst>
-                        <p:cond delay="indefinite"/>
-                      </p:stCondLst>
-                      <p:childTnLst>
-                        <p:par>
-                          <p:cTn id="20" fill="hold">
-                            <p:stCondLst>
-                              <p:cond delay="0"/>
-                            </p:stCondLst>
-                            <p:childTnLst>
-                              <p:par>
-                                <p:cTn id="21" presetID="1" presetClass="entr" presetSubtype="0" fill="hold" nodeType="clickEffect">
-                                  <p:stCondLst>
-                                    <p:cond delay="0"/>
-                                  </p:stCondLst>
-                                  <p:childTnLst>
-                                    <p:set>
-                                      <p:cBhvr>
-                                        <p:cTn id="22" dur="1" fill="hold">
-                                          <p:stCondLst>
-                                            <p:cond delay="0"/>
-                                          </p:stCondLst>
-                                        </p:cTn>
-                                        <p:tgtEl>
-                                          <p:spTgt spid="3">
-                                            <p:txEl>
-                                              <p:pRg st="4" end="4"/>
-                                            </p:txEl>
-                                          </p:spTgt>
-                                        </p:tgtEl>
-                                        <p:attrNameLst>
-                                          <p:attrName>style.visibility</p:attrName>
-                                        </p:attrNameLst>
-                                      </p:cBhvr>
-                                      <p:to>
-                                        <p:strVal val="visible"/>
-                                      </p:to>
-                                    </p:set>
-                                  </p:childTnLst>
-                                </p:cTn>
-                              </p:par>
-                            </p:childTnLst>
-                          </p:cTn>
-                        </p:par>
-                      </p:childTnLst>
-                    </p:cTn>
-                  </p:par>
-                </p:childTnLst>
-              </p:cTn>
-              <p:prevCondLst>
-                <p:cond evt="onPrev" delay="0">
-                  <p:tgtEl>
-                    <p:sldTgt/>
-                  </p:tgtEl>
-                </p:cond>
-              </p:prevCondLst>
-              <p:nextCondLst>
-                <p:cond evt="onNext" delay="0">
-                  <p:tgtEl>
-                    <p:sldTgt/>
-                  </p:tgtEl>
-                </p:cond>
-              </p:nextCondLst>
-            </p:seq>
-          </p:childTnLst>
-        </p:cTn>
-      </p:par>
-    </p:tnLst>
-    <p:bldLst>
-      <p:bldP spid="2" grpId="0"/>
-    </p:bldLst>
-  </p:timing>
-</p:sld>
-</file>
-
-<file path=ppt/slides/slide70.xml><?xml version="1.0" encoding="utf-8"?>
+<file path=ppt/slides/slide75.xml><?xml version="1.0" encoding="utf-8"?>
 <p:sld xmlns:a="http://schemas.openxmlformats.org/drawingml/2006/main" xmlns:r="http://schemas.openxmlformats.org/officeDocument/2006/relationships" xmlns:p="http://schemas.openxmlformats.org/presentationml/2006/main">
   <p:cSld>
     <p:spTree>
@@ -25525,7 +27802,7 @@
 </p:sld>
 </file>
 
-<file path=ppt/slides/slide71.xml><?xml version="1.0" encoding="utf-8"?>
+<file path=ppt/slides/slide76.xml><?xml version="1.0" encoding="utf-8"?>
 <p:sld xmlns:a="http://schemas.openxmlformats.org/drawingml/2006/main" xmlns:r="http://schemas.openxmlformats.org/officeDocument/2006/relationships" xmlns:p="http://schemas.openxmlformats.org/presentationml/2006/main">
   <p:cSld>
     <p:spTree>
